--- a/unit_tests/kennissessie_unit_testing.pptx
+++ b/unit_tests/kennissessie_unit_testing.pptx
@@ -3505,7 +3505,7 @@
         </p:spPr>
         <p:txBody>
           <a:bodyPr>
-            <a:normAutofit/>
+            <a:normAutofit lnSpcReduction="10000"/>
           </a:bodyPr>
           <a:lstStyle/>
           <a:p>
@@ -3565,6 +3565,12 @@
             <a:pPr marL="0" indent="0">
               <a:buNone/>
             </a:pPr>
+            <a:endParaRPr lang="nl-NL" sz="2000" dirty="0"/>
+          </a:p>
+          <a:p>
+            <a:pPr marL="0" indent="0">
+              <a:buNone/>
+            </a:pPr>
             <a:r>
               <a:rPr lang="nl-NL" sz="2000" b="1" dirty="0" err="1"/>
               <a:t>Fixtures</a:t>
@@ -3591,7 +3597,26 @@
             </a:pPr>
             <a:r>
               <a:rPr lang="nl-NL" sz="2000" dirty="0"/>
-              <a:t>Meegegeven aan een test als argument.</a:t>
+              <a:t>Aangemaakt met </a:t>
+            </a:r>
+            <a:r>
+              <a:rPr lang="nl-NL" sz="2000" dirty="0">
+                <a:latin typeface="Courier New" panose="02070309020205020404" pitchFamily="49" charset="0"/>
+                <a:cs typeface="Courier New" panose="02070309020205020404" pitchFamily="49" charset="0"/>
+              </a:rPr>
+              <a:t>@pytest.fixture</a:t>
+            </a:r>
+            <a:r>
+              <a:rPr lang="nl-NL" sz="2000" dirty="0"/>
+              <a:t> </a:t>
+            </a:r>
+            <a:r>
+              <a:rPr lang="nl-NL" sz="2000" dirty="0" err="1"/>
+              <a:t>decorator</a:t>
+            </a:r>
+            <a:r>
+              <a:rPr lang="nl-NL" sz="2000" dirty="0"/>
+              <a:t>.</a:t>
             </a:r>
           </a:p>
           <a:p>
@@ -3601,6 +3626,16 @@
             </a:pPr>
             <a:r>
               <a:rPr lang="nl-NL" sz="2000" dirty="0"/>
+              <a:t>Meegegeven aan een test als argument.</a:t>
+            </a:r>
+          </a:p>
+          <a:p>
+            <a:pPr>
+              <a:buFontTx/>
+              <a:buChar char="-"/>
+            </a:pPr>
+            <a:r>
+              <a:rPr lang="nl-NL" sz="2000" dirty="0"/>
               <a:t>Wordt voor elke test opnieuw aangemaakt!</a:t>
             </a:r>
           </a:p>
@@ -3638,8 +3673,8 @@
         </p:nvSpPr>
         <p:spPr>
           <a:xfrm>
-            <a:off x="7924800" y="1690688"/>
-            <a:ext cx="3962400" cy="4486275"/>
+            <a:off x="7924800" y="1690689"/>
+            <a:ext cx="3962400" cy="1933044"/>
           </a:xfrm>
           <a:prstGeom prst="rect">
             <a:avLst/>
@@ -3660,29 +3695,8 @@
           </a:fontRef>
         </p:style>
         <p:txBody>
-          <a:bodyPr rtlCol="0" anchor="t"/>
-          <a:lstStyle/>
-          <a:p>
-            <a:r>
-              <a:rPr lang="en-US" sz="1200" dirty="0">
-                <a:latin typeface="Courier New" panose="02070309020205020404" pitchFamily="49" charset="0"/>
-                <a:cs typeface="Courier New" panose="02070309020205020404" pitchFamily="49" charset="0"/>
-              </a:rPr>
-              <a:t>"""Module with unit tests for helpers."""</a:t>
-            </a:r>
-          </a:p>
-          <a:p>
-            <a:endParaRPr lang="en-US" sz="1200" dirty="0">
-              <a:latin typeface="Courier New" panose="02070309020205020404" pitchFamily="49" charset="0"/>
-              <a:cs typeface="Courier New" panose="02070309020205020404" pitchFamily="49" charset="0"/>
-            </a:endParaRPr>
-          </a:p>
-          <a:p>
-            <a:endParaRPr lang="en-US" sz="1200" dirty="0">
-              <a:latin typeface="Courier New" panose="02070309020205020404" pitchFamily="49" charset="0"/>
-              <a:cs typeface="Courier New" panose="02070309020205020404" pitchFamily="49" charset="0"/>
-            </a:endParaRPr>
-          </a:p>
+          <a:bodyPr rtlCol="0" anchor="ctr"/>
+          <a:lstStyle/>
           <a:p>
             <a:r>
               <a:rPr lang="en-US" sz="1200" b="1" dirty="0">
@@ -3803,12 +3817,46 @@
               <a:cs typeface="Courier New" panose="02070309020205020404" pitchFamily="49" charset="0"/>
             </a:endParaRPr>
           </a:p>
-          <a:p>
-            <a:endParaRPr lang="en-US" sz="1200" dirty="0">
-              <a:latin typeface="Courier New" panose="02070309020205020404" pitchFamily="49" charset="0"/>
-              <a:cs typeface="Courier New" panose="02070309020205020404" pitchFamily="49" charset="0"/>
-            </a:endParaRPr>
-          </a:p>
+        </p:txBody>
+      </p:sp>
+      <p:sp>
+        <p:nvSpPr>
+          <p:cNvPr id="6" name="Rectangle 5">
+            <a:extLst>
+              <a:ext uri="{FF2B5EF4-FFF2-40B4-BE49-F238E27FC236}">
+                <a16:creationId xmlns:a16="http://schemas.microsoft.com/office/drawing/2014/main" id="{21728304-D7D4-9B8D-CDDD-474B3FE731E8}"/>
+              </a:ext>
+            </a:extLst>
+          </p:cNvPr>
+          <p:cNvSpPr/>
+          <p:nvPr/>
+        </p:nvSpPr>
+        <p:spPr>
+          <a:xfrm>
+            <a:off x="7924800" y="4224866"/>
+            <a:ext cx="3962400" cy="1933044"/>
+          </a:xfrm>
+          <a:prstGeom prst="rect">
+            <a:avLst/>
+          </a:prstGeom>
+        </p:spPr>
+        <p:style>
+          <a:lnRef idx="1">
+            <a:schemeClr val="accent4"/>
+          </a:lnRef>
+          <a:fillRef idx="2">
+            <a:schemeClr val="accent4"/>
+          </a:fillRef>
+          <a:effectRef idx="1">
+            <a:schemeClr val="accent4"/>
+          </a:effectRef>
+          <a:fontRef idx="minor">
+            <a:schemeClr val="dk1"/>
+          </a:fontRef>
+        </p:style>
+        <p:txBody>
+          <a:bodyPr rtlCol="0" anchor="ctr"/>
+          <a:lstStyle/>
           <a:p>
             <a:r>
               <a:rPr lang="en-US" sz="1200" b="1" dirty="0">
@@ -3856,16 +3904,7 @@
                 <a:latin typeface="Courier New" panose="02070309020205020404" pitchFamily="49" charset="0"/>
                 <a:cs typeface="Courier New" panose="02070309020205020404" pitchFamily="49" charset="0"/>
               </a:rPr>
-              <a:t>    return {</a:t>
-            </a:r>
-          </a:p>
-          <a:p>
-            <a:r>
-              <a:rPr lang="en-US" sz="1200" dirty="0">
-                <a:latin typeface="Courier New" panose="02070309020205020404" pitchFamily="49" charset="0"/>
-                <a:cs typeface="Courier New" panose="02070309020205020404" pitchFamily="49" charset="0"/>
-              </a:rPr>
-              <a:t>        "</a:t>
+              <a:t>    return {"</a:t>
             </a:r>
             <a:r>
               <a:rPr lang="en-US" sz="1200" dirty="0" err="1">
@@ -3879,7 +3918,56 @@
                 <a:latin typeface="Courier New" panose="02070309020205020404" pitchFamily="49" charset="0"/>
                 <a:cs typeface="Courier New" panose="02070309020205020404" pitchFamily="49" charset="0"/>
               </a:rPr>
-              <a:t>": 0,</a:t>
+              <a:t>": 0}</a:t>
+            </a:r>
+          </a:p>
+          <a:p>
+            <a:endParaRPr lang="en-US" sz="1200" dirty="0">
+              <a:latin typeface="Courier New" panose="02070309020205020404" pitchFamily="49" charset="0"/>
+              <a:cs typeface="Courier New" panose="02070309020205020404" pitchFamily="49" charset="0"/>
+            </a:endParaRPr>
+          </a:p>
+          <a:p>
+            <a:endParaRPr lang="en-US" sz="1200" dirty="0">
+              <a:latin typeface="Courier New" panose="02070309020205020404" pitchFamily="49" charset="0"/>
+              <a:cs typeface="Courier New" panose="02070309020205020404" pitchFamily="49" charset="0"/>
+            </a:endParaRPr>
+          </a:p>
+          <a:p>
+            <a:r>
+              <a:rPr lang="en-US" sz="1200" b="1" dirty="0">
+                <a:latin typeface="Courier New" panose="02070309020205020404" pitchFamily="49" charset="0"/>
+                <a:cs typeface="Courier New" panose="02070309020205020404" pitchFamily="49" charset="0"/>
+              </a:rPr>
+              <a:t>def </a:t>
+            </a:r>
+            <a:r>
+              <a:rPr lang="en-US" sz="1200" b="1" dirty="0" err="1">
+                <a:latin typeface="Courier New" panose="02070309020205020404" pitchFamily="49" charset="0"/>
+                <a:cs typeface="Courier New" panose="02070309020205020404" pitchFamily="49" charset="0"/>
+              </a:rPr>
+              <a:t>test_update_config</a:t>
+            </a:r>
+            <a:r>
+              <a:rPr lang="en-US" sz="1200" b="1" dirty="0">
+                <a:latin typeface="Courier New" panose="02070309020205020404" pitchFamily="49" charset="0"/>
+                <a:cs typeface="Courier New" panose="02070309020205020404" pitchFamily="49" charset="0"/>
+              </a:rPr>
+              <a:t>(</a:t>
+            </a:r>
+            <a:r>
+              <a:rPr lang="en-US" sz="1200" b="1" dirty="0" err="1">
+                <a:latin typeface="Courier New" panose="02070309020205020404" pitchFamily="49" charset="0"/>
+                <a:cs typeface="Courier New" panose="02070309020205020404" pitchFamily="49" charset="0"/>
+              </a:rPr>
+              <a:t>default_config</a:t>
+            </a:r>
+            <a:r>
+              <a:rPr lang="en-US" sz="1200" b="1" dirty="0">
+                <a:latin typeface="Courier New" panose="02070309020205020404" pitchFamily="49" charset="0"/>
+                <a:cs typeface="Courier New" panose="02070309020205020404" pitchFamily="49" charset="0"/>
+              </a:rPr>
+              <a:t>):</a:t>
             </a:r>
           </a:p>
           <a:p>
@@ -3888,7 +3976,7 @@
                 <a:latin typeface="Courier New" panose="02070309020205020404" pitchFamily="49" charset="0"/>
                 <a:cs typeface="Courier New" panose="02070309020205020404" pitchFamily="49" charset="0"/>
               </a:rPr>
-              <a:t>    }</a:t>
+              <a:t>    """Test updating configuration."""</a:t>
             </a:r>
           </a:p>
           <a:p>
@@ -3896,21 +3984,6 @@
               <a:latin typeface="Courier New" panose="02070309020205020404" pitchFamily="49" charset="0"/>
               <a:cs typeface="Courier New" panose="02070309020205020404" pitchFamily="49" charset="0"/>
             </a:endParaRPr>
-          </a:p>
-          <a:p>
-            <a:endParaRPr lang="en-US" sz="1200" dirty="0">
-              <a:latin typeface="Courier New" panose="02070309020205020404" pitchFamily="49" charset="0"/>
-              <a:cs typeface="Courier New" panose="02070309020205020404" pitchFamily="49" charset="0"/>
-            </a:endParaRPr>
-          </a:p>
-          <a:p>
-            <a:r>
-              <a:rPr lang="en-US" sz="1200" dirty="0">
-                <a:latin typeface="Courier New" panose="02070309020205020404" pitchFamily="49" charset="0"/>
-                <a:cs typeface="Courier New" panose="02070309020205020404" pitchFamily="49" charset="0"/>
-              </a:rPr>
-              <a:t>...</a:t>
-            </a:r>
           </a:p>
         </p:txBody>
       </p:sp>
@@ -4570,11 +4643,11 @@
             <a:lstStyle/>
             <a:p>
               <a:r>
-                <a:rPr lang="en-US" dirty="0">
+                <a:rPr lang="en-US" b="1" dirty="0">
                   <a:latin typeface="Courier New" panose="02070309020205020404" pitchFamily="49" charset="0"/>
                   <a:cs typeface="Courier New" panose="02070309020205020404" pitchFamily="49" charset="0"/>
                 </a:rPr>
-                <a:t>def sum(numbers):</a:t>
+                <a:t>def total(numbers):</a:t>
               </a:r>
             </a:p>
             <a:p>
@@ -4592,7 +4665,7 @@
                   <a:latin typeface="Courier New" panose="02070309020205020404" pitchFamily="49" charset="0"/>
                   <a:cs typeface="Courier New" panose="02070309020205020404" pitchFamily="49" charset="0"/>
                 </a:rPr>
-                <a:t>  for number in numbers</a:t>
+                <a:t>  for number in numbers:</a:t>
               </a:r>
             </a:p>
             <a:p>
@@ -4718,7 +4791,7 @@
             <a:p>
               <a:r>
                 <a:rPr lang="en-US" dirty="0"/>
-                <a:t>sum([1, 2, 3]) =&gt; 6</a:t>
+                <a:t>total([1, 2, 3]) =&gt; 6</a:t>
               </a:r>
             </a:p>
           </p:txBody>
@@ -4822,11 +4895,11 @@
             <a:lstStyle/>
             <a:p>
               <a:r>
-                <a:rPr lang="en-US" dirty="0">
+                <a:rPr lang="en-US" b="1" dirty="0">
                   <a:latin typeface="Courier New" panose="02070309020205020404" pitchFamily="49" charset="0"/>
                   <a:cs typeface="Courier New" panose="02070309020205020404" pitchFamily="49" charset="0"/>
                 </a:rPr>
-                <a:t>def sum(numbers):</a:t>
+                <a:t>def total(numbers):</a:t>
               </a:r>
             </a:p>
             <a:p>
@@ -4943,7 +5016,7 @@
             <a:p>
               <a:r>
                 <a:rPr lang="en-US" dirty="0"/>
-                <a:t>sum([1, 2, 3]) =&gt; 6</a:t>
+                <a:t>total([1, 2, 3]) =&gt; 6</a:t>
               </a:r>
             </a:p>
           </p:txBody>
@@ -5169,7 +5242,14 @@
             </a:pPr>
             <a:r>
               <a:rPr lang="nl-NL" sz="2000" dirty="0"/>
-              <a:t>Correct of incorrect is niet het doel.</a:t>
+              <a:t>Consistente functionaliteit is het doel.</a:t>
+            </a:r>
+          </a:p>
+          <a:p>
+            <a:pPr lvl="1"/>
+            <a:r>
+              <a:rPr lang="nl-NL" sz="1600" dirty="0"/>
+              <a:t>Referentie is hoe de code aanvankelijk werkte.</a:t>
             </a:r>
           </a:p>
           <a:p>
@@ -5177,13 +5257,6 @@
             <a:r>
               <a:rPr lang="nl-NL" sz="1600" dirty="0"/>
               <a:t>Wat correct of incorrect is, is vaak subjectief.</a:t>
-            </a:r>
-          </a:p>
-          <a:p>
-            <a:pPr lvl="1"/>
-            <a:r>
-              <a:rPr lang="nl-NL" sz="1600" dirty="0"/>
-              <a:t>Referentie is hoe de code aanvankelijk werkte.</a:t>
             </a:r>
           </a:p>
           <a:p>
@@ -5198,7 +5271,7 @@
             </a:pPr>
             <a:r>
               <a:rPr lang="nl-NL" sz="2000" dirty="0"/>
-              <a:t>Belangrijk tijdens ontwikkelen van je code.</a:t>
+              <a:t>Belangrijk tijdens ontwikkeling van je code.</a:t>
             </a:r>
           </a:p>
           <a:p>
@@ -5241,40 +5314,22 @@
             <a:pPr lvl="1"/>
             <a:r>
               <a:rPr lang="nl-NL" sz="1600" dirty="0"/>
-              <a:t>Tests maken de gevolgen van een code wijziging inzichtelijk.</a:t>
+              <a:t>Tests maken gevolgen van wijzigingen inzichtelijk.</a:t>
             </a:r>
           </a:p>
           <a:p>
             <a:pPr lvl="1"/>
             <a:r>
               <a:rPr lang="nl-NL" sz="1600" dirty="0"/>
-              <a:t>Tests geven concrete voorbeelden wat de “bedoeling” van een functie is.</a:t>
+              <a:t>Tests geven concrete voorbeelden van de “bedoeling” van code.</a:t>
             </a:r>
           </a:p>
           <a:p>
             <a:pPr lvl="1"/>
             <a:r>
               <a:rPr lang="nl-NL" sz="1600" dirty="0"/>
-              <a:t>Tests sporen aan na te denken over functionaliteit; wat is nodig, wat niet?</a:t>
-            </a:r>
-          </a:p>
-          <a:p>
-            <a:pPr marL="0" indent="0">
-              <a:buNone/>
-            </a:pPr>
-            <a:endParaRPr lang="nl-NL" sz="2000" dirty="0"/>
-          </a:p>
-          <a:p>
-            <a:pPr marL="457200" indent="-457200">
-              <a:buAutoNum type="arabicPeriod"/>
-            </a:pPr>
-            <a:endParaRPr lang="nl-NL" sz="2000" dirty="0"/>
-          </a:p>
-          <a:p>
-            <a:pPr marL="0" indent="0">
-              <a:buNone/>
-            </a:pPr>
-            <a:endParaRPr lang="nl-NL" sz="2000" dirty="0"/>
+              <a:t>Tests moedigen grondige inspectie code aan; wat is nodig, wat niet?</a:t>
+            </a:r>
           </a:p>
         </p:txBody>
       </p:sp>
@@ -5419,7 +5474,7 @@
         </p:spPr>
         <p:txBody>
           <a:bodyPr>
-            <a:normAutofit fontScale="92500" lnSpcReduction="10000"/>
+            <a:normAutofit/>
           </a:bodyPr>
           <a:lstStyle/>
           <a:p>
@@ -5520,7 +5575,7 @@
             </a:pPr>
             <a:r>
               <a:rPr lang="nl-NL" sz="2000" dirty="0"/>
-              <a:t>De functie naam en </a:t>
+              <a:t>Naam en </a:t>
             </a:r>
             <a:r>
               <a:rPr lang="nl-NL" sz="2000" dirty="0" err="1"/>
@@ -5528,7 +5583,7 @@
             </a:r>
             <a:r>
               <a:rPr lang="nl-NL" sz="2000" dirty="0"/>
-              <a:t> moeten het doel van de test glashelder maken.</a:t>
+              <a:t> maken het doel van de test glashelder.</a:t>
             </a:r>
           </a:p>
           <a:p>
@@ -5542,8 +5597,12 @@
               <a:buNone/>
             </a:pPr>
             <a:r>
+              <a:rPr lang="nl-NL" sz="2000" dirty="0" err="1"/>
+              <a:t>Één</a:t>
+            </a:r>
+            <a:r>
               <a:rPr lang="nl-NL" sz="2000" dirty="0"/>
-              <a:t>Een test moet één functionaliteit testen; oftewel 1 </a:t>
+              <a:t> functionaliteit per test; oftewel 1 </a:t>
             </a:r>
             <a:r>
               <a:rPr lang="nl-NL" sz="2000" dirty="0" err="1">
@@ -5554,7 +5613,7 @@
             </a:r>
             <a:r>
               <a:rPr lang="nl-NL" sz="2000" dirty="0"/>
-              <a:t> statement per test.</a:t>
+              <a:t> statement.</a:t>
             </a:r>
           </a:p>
           <a:p>

--- a/unit_tests/kennissessie_unit_testing.pptx
+++ b/unit_tests/kennissessie_unit_testing.pptx
@@ -272,7 +272,7 @@
           <a:p>
             <a:fld id="{3A72EAAC-A5DF-46E2-8BCD-752A9EF6F604}" type="datetimeFigureOut">
               <a:rPr lang="en-NL" smtClean="0"/>
-              <a:t>23/05/2022</a:t>
+              <a:t>24/05/2022</a:t>
             </a:fld>
             <a:endParaRPr lang="en-NL"/>
           </a:p>
@@ -472,7 +472,7 @@
           <a:p>
             <a:fld id="{3A72EAAC-A5DF-46E2-8BCD-752A9EF6F604}" type="datetimeFigureOut">
               <a:rPr lang="en-NL" smtClean="0"/>
-              <a:t>23/05/2022</a:t>
+              <a:t>24/05/2022</a:t>
             </a:fld>
             <a:endParaRPr lang="en-NL"/>
           </a:p>
@@ -682,7 +682,7 @@
           <a:p>
             <a:fld id="{3A72EAAC-A5DF-46E2-8BCD-752A9EF6F604}" type="datetimeFigureOut">
               <a:rPr lang="en-NL" smtClean="0"/>
-              <a:t>23/05/2022</a:t>
+              <a:t>24/05/2022</a:t>
             </a:fld>
             <a:endParaRPr lang="en-NL"/>
           </a:p>
@@ -882,7 +882,7 @@
           <a:p>
             <a:fld id="{3A72EAAC-A5DF-46E2-8BCD-752A9EF6F604}" type="datetimeFigureOut">
               <a:rPr lang="en-NL" smtClean="0"/>
-              <a:t>23/05/2022</a:t>
+              <a:t>24/05/2022</a:t>
             </a:fld>
             <a:endParaRPr lang="en-NL"/>
           </a:p>
@@ -1158,7 +1158,7 @@
           <a:p>
             <a:fld id="{3A72EAAC-A5DF-46E2-8BCD-752A9EF6F604}" type="datetimeFigureOut">
               <a:rPr lang="en-NL" smtClean="0"/>
-              <a:t>23/05/2022</a:t>
+              <a:t>24/05/2022</a:t>
             </a:fld>
             <a:endParaRPr lang="en-NL"/>
           </a:p>
@@ -1426,7 +1426,7 @@
           <a:p>
             <a:fld id="{3A72EAAC-A5DF-46E2-8BCD-752A9EF6F604}" type="datetimeFigureOut">
               <a:rPr lang="en-NL" smtClean="0"/>
-              <a:t>23/05/2022</a:t>
+              <a:t>24/05/2022</a:t>
             </a:fld>
             <a:endParaRPr lang="en-NL"/>
           </a:p>
@@ -1841,7 +1841,7 @@
           <a:p>
             <a:fld id="{3A72EAAC-A5DF-46E2-8BCD-752A9EF6F604}" type="datetimeFigureOut">
               <a:rPr lang="en-NL" smtClean="0"/>
-              <a:t>23/05/2022</a:t>
+              <a:t>24/05/2022</a:t>
             </a:fld>
             <a:endParaRPr lang="en-NL"/>
           </a:p>
@@ -1983,7 +1983,7 @@
           <a:p>
             <a:fld id="{3A72EAAC-A5DF-46E2-8BCD-752A9EF6F604}" type="datetimeFigureOut">
               <a:rPr lang="en-NL" smtClean="0"/>
-              <a:t>23/05/2022</a:t>
+              <a:t>24/05/2022</a:t>
             </a:fld>
             <a:endParaRPr lang="en-NL"/>
           </a:p>
@@ -2096,7 +2096,7 @@
           <a:p>
             <a:fld id="{3A72EAAC-A5DF-46E2-8BCD-752A9EF6F604}" type="datetimeFigureOut">
               <a:rPr lang="en-NL" smtClean="0"/>
-              <a:t>23/05/2022</a:t>
+              <a:t>24/05/2022</a:t>
             </a:fld>
             <a:endParaRPr lang="en-NL"/>
           </a:p>
@@ -2409,7 +2409,7 @@
           <a:p>
             <a:fld id="{3A72EAAC-A5DF-46E2-8BCD-752A9EF6F604}" type="datetimeFigureOut">
               <a:rPr lang="en-NL" smtClean="0"/>
-              <a:t>23/05/2022</a:t>
+              <a:t>24/05/2022</a:t>
             </a:fld>
             <a:endParaRPr lang="en-NL"/>
           </a:p>
@@ -2698,7 +2698,7 @@
           <a:p>
             <a:fld id="{3A72EAAC-A5DF-46E2-8BCD-752A9EF6F604}" type="datetimeFigureOut">
               <a:rPr lang="en-NL" smtClean="0"/>
-              <a:t>23/05/2022</a:t>
+              <a:t>24/05/2022</a:t>
             </a:fld>
             <a:endParaRPr lang="en-NL"/>
           </a:p>
@@ -2941,7 +2941,7 @@
           <a:p>
             <a:fld id="{3A72EAAC-A5DF-46E2-8BCD-752A9EF6F604}" type="datetimeFigureOut">
               <a:rPr lang="en-NL" smtClean="0"/>
-              <a:t>23/05/2022</a:t>
+              <a:t>24/05/2022</a:t>
             </a:fld>
             <a:endParaRPr lang="en-NL"/>
           </a:p>
@@ -4128,7 +4128,7 @@
         <p:spPr/>
         <p:txBody>
           <a:bodyPr>
-            <a:normAutofit/>
+            <a:normAutofit fontScale="92500" lnSpcReduction="20000"/>
           </a:bodyPr>
           <a:lstStyle/>
           <a:p>
@@ -4174,8 +4174,10 @@
             </a:r>
           </a:p>
           <a:p>
-            <a:pPr lvl="1"/>
-            <a:endParaRPr lang="nl-NL" sz="1600" dirty="0"/>
+            <a:pPr marL="0" indent="0">
+              <a:buNone/>
+            </a:pPr>
+            <a:endParaRPr lang="nl-NL" sz="2000" dirty="0"/>
           </a:p>
           <a:p>
             <a:r>
@@ -4214,8 +4216,16 @@
             </a:r>
           </a:p>
           <a:p>
-            <a:pPr lvl="1"/>
-            <a:endParaRPr lang="nl-NL" sz="1600" dirty="0"/>
+            <a:endParaRPr lang="nl-NL" sz="2000" dirty="0"/>
+          </a:p>
+          <a:p>
+            <a:r>
+              <a:rPr lang="nl-NL" sz="2000" dirty="0"/>
+              <a:t>Wacht niet te lang met tests schrijven!</a:t>
+            </a:r>
+          </a:p>
+          <a:p>
+            <a:endParaRPr lang="nl-NL" sz="2000" dirty="0"/>
           </a:p>
           <a:p>
             <a:r>
@@ -4253,7 +4263,7 @@
             <a:pPr lvl="1"/>
             <a:r>
               <a:rPr lang="nl-NL" sz="1600" dirty="0"/>
-              <a:t>Maar dekking zegt weinig; zijn zinvolle scenario’s getest?</a:t>
+              <a:t>Dekking zegt niet alles; zijn (alle) zinvolle scenario’s getest?</a:t>
             </a:r>
           </a:p>
           <a:p>
@@ -5285,7 +5295,7 @@
             <a:pPr lvl="1"/>
             <a:r>
               <a:rPr lang="nl-NL" sz="1600" dirty="0"/>
-              <a:t>Geen effect op gebruikers van je code.</a:t>
+              <a:t>Geen enkel effect op gebruik van je code.</a:t>
             </a:r>
           </a:p>
           <a:p>

--- a/unit_tests/kennissessie_unit_testing.pptx
+++ b/unit_tests/kennissessie_unit_testing.pptx
@@ -9,14 +9,16 @@
     <p:sldId id="257" r:id="rId3"/>
     <p:sldId id="262" r:id="rId4"/>
     <p:sldId id="264" r:id="rId5"/>
-    <p:sldId id="265" r:id="rId6"/>
-    <p:sldId id="266" r:id="rId7"/>
-    <p:sldId id="267" r:id="rId8"/>
-    <p:sldId id="268" r:id="rId9"/>
+    <p:sldId id="272" r:id="rId6"/>
+    <p:sldId id="265" r:id="rId7"/>
+    <p:sldId id="266" r:id="rId8"/>
+    <p:sldId id="267" r:id="rId9"/>
     <p:sldId id="270" r:id="rId10"/>
-    <p:sldId id="269" r:id="rId11"/>
-    <p:sldId id="271" r:id="rId12"/>
-    <p:sldId id="263" r:id="rId13"/>
+    <p:sldId id="268" r:id="rId11"/>
+    <p:sldId id="273" r:id="rId12"/>
+    <p:sldId id="269" r:id="rId13"/>
+    <p:sldId id="271" r:id="rId14"/>
+    <p:sldId id="263" r:id="rId15"/>
   </p:sldIdLst>
   <p:sldSz cx="12192000" cy="6858000"/>
   <p:notesSz cx="6858000" cy="9144000"/>
@@ -272,7 +274,7 @@
           <a:p>
             <a:fld id="{3A72EAAC-A5DF-46E2-8BCD-752A9EF6F604}" type="datetimeFigureOut">
               <a:rPr lang="en-NL" smtClean="0"/>
-              <a:t>24/05/2022</a:t>
+              <a:t>16/01/2023</a:t>
             </a:fld>
             <a:endParaRPr lang="en-NL"/>
           </a:p>
@@ -472,7 +474,7 @@
           <a:p>
             <a:fld id="{3A72EAAC-A5DF-46E2-8BCD-752A9EF6F604}" type="datetimeFigureOut">
               <a:rPr lang="en-NL" smtClean="0"/>
-              <a:t>24/05/2022</a:t>
+              <a:t>16/01/2023</a:t>
             </a:fld>
             <a:endParaRPr lang="en-NL"/>
           </a:p>
@@ -682,7 +684,7 @@
           <a:p>
             <a:fld id="{3A72EAAC-A5DF-46E2-8BCD-752A9EF6F604}" type="datetimeFigureOut">
               <a:rPr lang="en-NL" smtClean="0"/>
-              <a:t>24/05/2022</a:t>
+              <a:t>16/01/2023</a:t>
             </a:fld>
             <a:endParaRPr lang="en-NL"/>
           </a:p>
@@ -882,7 +884,7 @@
           <a:p>
             <a:fld id="{3A72EAAC-A5DF-46E2-8BCD-752A9EF6F604}" type="datetimeFigureOut">
               <a:rPr lang="en-NL" smtClean="0"/>
-              <a:t>24/05/2022</a:t>
+              <a:t>16/01/2023</a:t>
             </a:fld>
             <a:endParaRPr lang="en-NL"/>
           </a:p>
@@ -1158,7 +1160,7 @@
           <a:p>
             <a:fld id="{3A72EAAC-A5DF-46E2-8BCD-752A9EF6F604}" type="datetimeFigureOut">
               <a:rPr lang="en-NL" smtClean="0"/>
-              <a:t>24/05/2022</a:t>
+              <a:t>16/01/2023</a:t>
             </a:fld>
             <a:endParaRPr lang="en-NL"/>
           </a:p>
@@ -1426,7 +1428,7 @@
           <a:p>
             <a:fld id="{3A72EAAC-A5DF-46E2-8BCD-752A9EF6F604}" type="datetimeFigureOut">
               <a:rPr lang="en-NL" smtClean="0"/>
-              <a:t>24/05/2022</a:t>
+              <a:t>16/01/2023</a:t>
             </a:fld>
             <a:endParaRPr lang="en-NL"/>
           </a:p>
@@ -1841,7 +1843,7 @@
           <a:p>
             <a:fld id="{3A72EAAC-A5DF-46E2-8BCD-752A9EF6F604}" type="datetimeFigureOut">
               <a:rPr lang="en-NL" smtClean="0"/>
-              <a:t>24/05/2022</a:t>
+              <a:t>16/01/2023</a:t>
             </a:fld>
             <a:endParaRPr lang="en-NL"/>
           </a:p>
@@ -1983,7 +1985,7 @@
           <a:p>
             <a:fld id="{3A72EAAC-A5DF-46E2-8BCD-752A9EF6F604}" type="datetimeFigureOut">
               <a:rPr lang="en-NL" smtClean="0"/>
-              <a:t>24/05/2022</a:t>
+              <a:t>16/01/2023</a:t>
             </a:fld>
             <a:endParaRPr lang="en-NL"/>
           </a:p>
@@ -2096,7 +2098,7 @@
           <a:p>
             <a:fld id="{3A72EAAC-A5DF-46E2-8BCD-752A9EF6F604}" type="datetimeFigureOut">
               <a:rPr lang="en-NL" smtClean="0"/>
-              <a:t>24/05/2022</a:t>
+              <a:t>16/01/2023</a:t>
             </a:fld>
             <a:endParaRPr lang="en-NL"/>
           </a:p>
@@ -2409,7 +2411,7 @@
           <a:p>
             <a:fld id="{3A72EAAC-A5DF-46E2-8BCD-752A9EF6F604}" type="datetimeFigureOut">
               <a:rPr lang="en-NL" smtClean="0"/>
-              <a:t>24/05/2022</a:t>
+              <a:t>16/01/2023</a:t>
             </a:fld>
             <a:endParaRPr lang="en-NL"/>
           </a:p>
@@ -2698,7 +2700,7 @@
           <a:p>
             <a:fld id="{3A72EAAC-A5DF-46E2-8BCD-752A9EF6F604}" type="datetimeFigureOut">
               <a:rPr lang="en-NL" smtClean="0"/>
-              <a:t>24/05/2022</a:t>
+              <a:t>16/01/2023</a:t>
             </a:fld>
             <a:endParaRPr lang="en-NL"/>
           </a:p>
@@ -2941,7 +2943,7 @@
           <a:p>
             <a:fld id="{3A72EAAC-A5DF-46E2-8BCD-752A9EF6F604}" type="datetimeFigureOut">
               <a:rPr lang="en-NL" smtClean="0"/>
-              <a:t>24/05/2022</a:t>
+              <a:t>16/01/2023</a:t>
             </a:fld>
             <a:endParaRPr lang="en-NL"/>
           </a:p>
@@ -3476,8 +3478,13 @@
           <a:p>
             <a:r>
               <a:rPr lang="nl-NL" dirty="0"/>
-              <a:t>Samenvatting</a:t>
-            </a:r>
+              <a:t>Hergebruik: </a:t>
+            </a:r>
+            <a:r>
+              <a:rPr lang="nl-NL" dirty="0" err="1"/>
+              <a:t>Fixtures</a:t>
+            </a:r>
+            <a:endParaRPr lang="nl-NL" dirty="0"/>
           </a:p>
         </p:txBody>
       </p:sp>
@@ -3497,15 +3504,10 @@
             <p:ph idx="1"/>
           </p:nvPr>
         </p:nvSpPr>
-        <p:spPr>
-          <a:xfrm>
-            <a:off x="838200" y="1825625"/>
-            <a:ext cx="6620933" cy="4351338"/>
-          </a:xfrm>
-        </p:spPr>
+        <p:spPr/>
         <p:txBody>
           <a:bodyPr>
-            <a:normAutofit lnSpcReduction="10000"/>
+            <a:normAutofit/>
           </a:bodyPr>
           <a:lstStyle/>
           <a:p>
@@ -3513,8 +3515,12 @@
               <a:buNone/>
             </a:pPr>
             <a:r>
+              <a:rPr lang="nl-NL" sz="2000" b="1" dirty="0" err="1"/>
+              <a:t>Fixture</a:t>
+            </a:r>
+            <a:r>
               <a:rPr lang="nl-NL" sz="2000" b="1" dirty="0"/>
-              <a:t>Parameters:</a:t>
+              <a:t>:</a:t>
             </a:r>
           </a:p>
           <a:p>
@@ -3524,7 +3530,7 @@
             </a:pPr>
             <a:r>
               <a:rPr lang="nl-NL" sz="2000" dirty="0"/>
-              <a:t>Draai zelfde test met wisselende gegevens.</a:t>
+              <a:t>Code die kan worden meegegeven aan een test.</a:t>
             </a:r>
           </a:p>
           <a:p>
@@ -3534,7 +3540,7 @@
             </a:pPr>
             <a:r>
               <a:rPr lang="nl-NL" sz="2000" dirty="0"/>
-              <a:t>Meestal: invoer =&gt; verwachte uitkomst.</a:t>
+              <a:t>Gedefinieerd als functie die een waarde teruggeeft.</a:t>
             </a:r>
           </a:p>
           <a:p>
@@ -3544,453 +3550,15 @@
             </a:pPr>
             <a:r>
               <a:rPr lang="nl-NL" sz="2000" dirty="0"/>
-              <a:t>Geef parameter sets een descriptieve naam (</a:t>
-            </a:r>
-            <a:r>
-              <a:rPr lang="nl-NL" sz="2000" dirty="0" err="1"/>
-              <a:t>ids</a:t>
-            </a:r>
-            <a:r>
-              <a:rPr lang="nl-NL" sz="2000" dirty="0"/>
-              <a:t>).</a:t>
-            </a:r>
-          </a:p>
-          <a:p>
-            <a:pPr marL="0" indent="0">
-              <a:buNone/>
-            </a:pPr>
-            <a:endParaRPr lang="nl-NL" sz="2000" dirty="0"/>
-          </a:p>
-          <a:p>
-            <a:pPr marL="0" indent="0">
-              <a:buNone/>
-            </a:pPr>
-            <a:endParaRPr lang="nl-NL" sz="2000" dirty="0"/>
-          </a:p>
-          <a:p>
-            <a:pPr marL="0" indent="0">
-              <a:buNone/>
-            </a:pPr>
-            <a:r>
-              <a:rPr lang="nl-NL" sz="2000" b="1" dirty="0" err="1"/>
-              <a:t>Fixtures</a:t>
-            </a:r>
-            <a:r>
-              <a:rPr lang="nl-NL" sz="2000" b="1" dirty="0"/>
-              <a:t>:</a:t>
-            </a:r>
-          </a:p>
-          <a:p>
-            <a:pPr>
-              <a:buFontTx/>
-              <a:buChar char="-"/>
-            </a:pPr>
-            <a:r>
-              <a:rPr lang="nl-NL" sz="2000" dirty="0"/>
-              <a:t>Herbruikbare functie om waardes te genereren.</a:t>
-            </a:r>
-          </a:p>
-          <a:p>
-            <a:pPr>
-              <a:buFontTx/>
-              <a:buChar char="-"/>
-            </a:pPr>
-            <a:r>
-              <a:rPr lang="nl-NL" sz="2000" dirty="0"/>
-              <a:t>Aangemaakt met </a:t>
-            </a:r>
-            <a:r>
-              <a:rPr lang="nl-NL" sz="2000" dirty="0">
-                <a:latin typeface="Courier New" panose="02070309020205020404" pitchFamily="49" charset="0"/>
-                <a:cs typeface="Courier New" panose="02070309020205020404" pitchFamily="49" charset="0"/>
-              </a:rPr>
-              <a:t>@pytest.fixture</a:t>
-            </a:r>
-            <a:r>
-              <a:rPr lang="nl-NL" sz="2000" dirty="0"/>
-              <a:t> </a:t>
-            </a:r>
-            <a:r>
-              <a:rPr lang="nl-NL" sz="2000" dirty="0" err="1"/>
-              <a:t>decorator</a:t>
-            </a:r>
-            <a:r>
-              <a:rPr lang="nl-NL" sz="2000" dirty="0"/>
-              <a:t>.</a:t>
-            </a:r>
-          </a:p>
-          <a:p>
-            <a:pPr>
-              <a:buFontTx/>
-              <a:buChar char="-"/>
-            </a:pPr>
-            <a:r>
-              <a:rPr lang="nl-NL" sz="2000" dirty="0"/>
-              <a:t>Meegegeven aan een test als argument.</a:t>
-            </a:r>
-          </a:p>
-          <a:p>
-            <a:pPr>
-              <a:buFontTx/>
-              <a:buChar char="-"/>
-            </a:pPr>
-            <a:r>
-              <a:rPr lang="nl-NL" sz="2000" dirty="0"/>
-              <a:t>Wordt voor elke test opnieuw aangemaakt!</a:t>
-            </a:r>
-          </a:p>
-          <a:p>
-            <a:pPr marL="0" indent="0">
-              <a:buNone/>
-            </a:pPr>
-            <a:endParaRPr lang="nl-NL" sz="2000" dirty="0"/>
-          </a:p>
-          <a:p>
-            <a:pPr marL="0" indent="0">
-              <a:buNone/>
-            </a:pPr>
-            <a:endParaRPr lang="nl-NL" sz="2000" dirty="0"/>
-          </a:p>
-          <a:p>
-            <a:pPr marL="0" indent="0">
-              <a:buNone/>
-            </a:pPr>
-            <a:endParaRPr lang="nl-NL" sz="2000" dirty="0" err="1"/>
-          </a:p>
-        </p:txBody>
-      </p:sp>
-      <p:sp>
-        <p:nvSpPr>
-          <p:cNvPr id="5" name="Rectangle 4">
-            <a:extLst>
-              <a:ext uri="{FF2B5EF4-FFF2-40B4-BE49-F238E27FC236}">
-                <a16:creationId xmlns:a16="http://schemas.microsoft.com/office/drawing/2014/main" id="{BF3C5D9D-7D1F-79AF-659B-A7B6754AA413}"/>
-              </a:ext>
-            </a:extLst>
-          </p:cNvPr>
-          <p:cNvSpPr/>
-          <p:nvPr/>
-        </p:nvSpPr>
-        <p:spPr>
-          <a:xfrm>
-            <a:off x="7924800" y="1690689"/>
-            <a:ext cx="3962400" cy="1933044"/>
-          </a:xfrm>
-          <a:prstGeom prst="rect">
-            <a:avLst/>
-          </a:prstGeom>
-        </p:spPr>
-        <p:style>
-          <a:lnRef idx="1">
-            <a:schemeClr val="accent4"/>
-          </a:lnRef>
-          <a:fillRef idx="2">
-            <a:schemeClr val="accent4"/>
-          </a:fillRef>
-          <a:effectRef idx="1">
-            <a:schemeClr val="accent4"/>
-          </a:effectRef>
-          <a:fontRef idx="minor">
-            <a:schemeClr val="dk1"/>
-          </a:fontRef>
-        </p:style>
-        <p:txBody>
-          <a:bodyPr rtlCol="0" anchor="ctr"/>
-          <a:lstStyle/>
-          <a:p>
-            <a:r>
-              <a:rPr lang="en-US" sz="1200" b="1" dirty="0">
-                <a:latin typeface="Courier New" panose="02070309020205020404" pitchFamily="49" charset="0"/>
-                <a:cs typeface="Courier New" panose="02070309020205020404" pitchFamily="49" charset="0"/>
-              </a:rPr>
-              <a:t>@pytest.mark.parametrize(</a:t>
-            </a:r>
-          </a:p>
-          <a:p>
-            <a:r>
-              <a:rPr lang="en-US" sz="1200" dirty="0">
-                <a:latin typeface="Courier New" panose="02070309020205020404" pitchFamily="49" charset="0"/>
-                <a:cs typeface="Courier New" panose="02070309020205020404" pitchFamily="49" charset="0"/>
-              </a:rPr>
-              <a:t>    </a:t>
-            </a:r>
-            <a:r>
-              <a:rPr lang="en-US" sz="1200" dirty="0" err="1">
-                <a:latin typeface="Courier New" panose="02070309020205020404" pitchFamily="49" charset="0"/>
-                <a:cs typeface="Courier New" panose="02070309020205020404" pitchFamily="49" charset="0"/>
-              </a:rPr>
-              <a:t>argnames</a:t>
-            </a:r>
-            <a:r>
-              <a:rPr lang="en-US" sz="1200" dirty="0">
-                <a:latin typeface="Courier New" panose="02070309020205020404" pitchFamily="49" charset="0"/>
-                <a:cs typeface="Courier New" panose="02070309020205020404" pitchFamily="49" charset="0"/>
-              </a:rPr>
-              <a:t>=["numbers", "expected"],</a:t>
-            </a:r>
-          </a:p>
-          <a:p>
-            <a:r>
-              <a:rPr lang="en-US" sz="1200" dirty="0">
-                <a:latin typeface="Courier New" panose="02070309020205020404" pitchFamily="49" charset="0"/>
-                <a:cs typeface="Courier New" panose="02070309020205020404" pitchFamily="49" charset="0"/>
-              </a:rPr>
-              <a:t>    </a:t>
-            </a:r>
-            <a:r>
-              <a:rPr lang="en-US" sz="1200" dirty="0" err="1">
-                <a:latin typeface="Courier New" panose="02070309020205020404" pitchFamily="49" charset="0"/>
-                <a:cs typeface="Courier New" panose="02070309020205020404" pitchFamily="49" charset="0"/>
-              </a:rPr>
-              <a:t>argvalues</a:t>
-            </a:r>
-            <a:r>
-              <a:rPr lang="en-US" sz="1200" dirty="0">
-                <a:latin typeface="Courier New" panose="02070309020205020404" pitchFamily="49" charset="0"/>
-                <a:cs typeface="Courier New" panose="02070309020205020404" pitchFamily="49" charset="0"/>
-              </a:rPr>
-              <a:t>=[ ([1, 2, 3], 2) ],</a:t>
-            </a:r>
-          </a:p>
-          <a:p>
-            <a:r>
-              <a:rPr lang="en-US" sz="1200" dirty="0">
-                <a:latin typeface="Courier New" panose="02070309020205020404" pitchFamily="49" charset="0"/>
-                <a:cs typeface="Courier New" panose="02070309020205020404" pitchFamily="49" charset="0"/>
-              </a:rPr>
-              <a:t>    ids=["Positive numbers"]</a:t>
-            </a:r>
-          </a:p>
-          <a:p>
-            <a:r>
-              <a:rPr lang="en-US" sz="1200" b="1" dirty="0">
-                <a:latin typeface="Courier New" panose="02070309020205020404" pitchFamily="49" charset="0"/>
-                <a:cs typeface="Courier New" panose="02070309020205020404" pitchFamily="49" charset="0"/>
-              </a:rPr>
-              <a:t>)</a:t>
-            </a:r>
-          </a:p>
-          <a:p>
-            <a:r>
-              <a:rPr lang="en-US" sz="1200" b="1" dirty="0">
-                <a:latin typeface="Courier New" panose="02070309020205020404" pitchFamily="49" charset="0"/>
-                <a:cs typeface="Courier New" panose="02070309020205020404" pitchFamily="49" charset="0"/>
-              </a:rPr>
-              <a:t>def </a:t>
-            </a:r>
-            <a:r>
-              <a:rPr lang="en-US" sz="1200" b="1" dirty="0" err="1">
-                <a:latin typeface="Courier New" panose="02070309020205020404" pitchFamily="49" charset="0"/>
-                <a:cs typeface="Courier New" panose="02070309020205020404" pitchFamily="49" charset="0"/>
-              </a:rPr>
-              <a:t>test_mean</a:t>
-            </a:r>
-            <a:r>
-              <a:rPr lang="en-US" sz="1200" b="1" dirty="0">
-                <a:latin typeface="Courier New" panose="02070309020205020404" pitchFamily="49" charset="0"/>
-                <a:cs typeface="Courier New" panose="02070309020205020404" pitchFamily="49" charset="0"/>
-              </a:rPr>
-              <a:t>(numbers, expected):</a:t>
-            </a:r>
-          </a:p>
-          <a:p>
-            <a:r>
-              <a:rPr lang="en-US" sz="1200" dirty="0">
-                <a:latin typeface="Courier New" panose="02070309020205020404" pitchFamily="49" charset="0"/>
-                <a:cs typeface="Courier New" panose="02070309020205020404" pitchFamily="49" charset="0"/>
-              </a:rPr>
-              <a:t>    """Test mean using parameters."""</a:t>
-            </a:r>
-          </a:p>
-          <a:p>
-            <a:r>
-              <a:rPr lang="en-US" sz="1200" dirty="0">
-                <a:latin typeface="Courier New" panose="02070309020205020404" pitchFamily="49" charset="0"/>
-                <a:cs typeface="Courier New" panose="02070309020205020404" pitchFamily="49" charset="0"/>
-              </a:rPr>
-              <a:t>    assert mean(numbers) == expected</a:t>
-            </a:r>
-          </a:p>
-          <a:p>
-            <a:endParaRPr lang="en-US" sz="1200" dirty="0">
-              <a:latin typeface="Courier New" panose="02070309020205020404" pitchFamily="49" charset="0"/>
-              <a:cs typeface="Courier New" panose="02070309020205020404" pitchFamily="49" charset="0"/>
-            </a:endParaRPr>
-          </a:p>
-        </p:txBody>
-      </p:sp>
-      <p:sp>
-        <p:nvSpPr>
-          <p:cNvPr id="6" name="Rectangle 5">
-            <a:extLst>
-              <a:ext uri="{FF2B5EF4-FFF2-40B4-BE49-F238E27FC236}">
-                <a16:creationId xmlns:a16="http://schemas.microsoft.com/office/drawing/2014/main" id="{21728304-D7D4-9B8D-CDDD-474B3FE731E8}"/>
-              </a:ext>
-            </a:extLst>
-          </p:cNvPr>
-          <p:cNvSpPr/>
-          <p:nvPr/>
-        </p:nvSpPr>
-        <p:spPr>
-          <a:xfrm>
-            <a:off x="7924800" y="4224866"/>
-            <a:ext cx="3962400" cy="1933044"/>
-          </a:xfrm>
-          <a:prstGeom prst="rect">
-            <a:avLst/>
-          </a:prstGeom>
-        </p:spPr>
-        <p:style>
-          <a:lnRef idx="1">
-            <a:schemeClr val="accent4"/>
-          </a:lnRef>
-          <a:fillRef idx="2">
-            <a:schemeClr val="accent4"/>
-          </a:fillRef>
-          <a:effectRef idx="1">
-            <a:schemeClr val="accent4"/>
-          </a:effectRef>
-          <a:fontRef idx="minor">
-            <a:schemeClr val="dk1"/>
-          </a:fontRef>
-        </p:style>
-        <p:txBody>
-          <a:bodyPr rtlCol="0" anchor="ctr"/>
-          <a:lstStyle/>
-          <a:p>
-            <a:r>
-              <a:rPr lang="en-US" sz="1200" b="1" dirty="0">
-                <a:latin typeface="Courier New" panose="02070309020205020404" pitchFamily="49" charset="0"/>
-                <a:cs typeface="Courier New" panose="02070309020205020404" pitchFamily="49" charset="0"/>
-              </a:rPr>
-              <a:t>@pytest.fixture</a:t>
-            </a:r>
-          </a:p>
-          <a:p>
-            <a:r>
-              <a:rPr lang="en-US" sz="1200" b="1" dirty="0">
-                <a:latin typeface="Courier New" panose="02070309020205020404" pitchFamily="49" charset="0"/>
-                <a:cs typeface="Courier New" panose="02070309020205020404" pitchFamily="49" charset="0"/>
-              </a:rPr>
-              <a:t>def </a:t>
-            </a:r>
-            <a:r>
-              <a:rPr lang="en-US" sz="1200" b="1" dirty="0" err="1">
-                <a:latin typeface="Courier New" panose="02070309020205020404" pitchFamily="49" charset="0"/>
-                <a:cs typeface="Courier New" panose="02070309020205020404" pitchFamily="49" charset="0"/>
-              </a:rPr>
-              <a:t>default_config</a:t>
-            </a:r>
-            <a:r>
-              <a:rPr lang="en-US" sz="1200" b="1" dirty="0">
-                <a:latin typeface="Courier New" panose="02070309020205020404" pitchFamily="49" charset="0"/>
-                <a:cs typeface="Courier New" panose="02070309020205020404" pitchFamily="49" charset="0"/>
-              </a:rPr>
-              <a:t>():</a:t>
-            </a:r>
-          </a:p>
-          <a:p>
-            <a:r>
-              <a:rPr lang="en-US" sz="1200" dirty="0">
-                <a:latin typeface="Courier New" panose="02070309020205020404" pitchFamily="49" charset="0"/>
-                <a:cs typeface="Courier New" panose="02070309020205020404" pitchFamily="49" charset="0"/>
-              </a:rPr>
-              <a:t>    """Return default configuration."""</a:t>
-            </a:r>
-          </a:p>
-          <a:p>
-            <a:r>
-              <a:rPr lang="en-US" sz="1200" dirty="0">
-                <a:latin typeface="Courier New" panose="02070309020205020404" pitchFamily="49" charset="0"/>
-                <a:cs typeface="Courier New" panose="02070309020205020404" pitchFamily="49" charset="0"/>
-              </a:rPr>
-              <a:t>    return {"</a:t>
-            </a:r>
-            <a:r>
-              <a:rPr lang="en-US" sz="1200" dirty="0" err="1">
-                <a:latin typeface="Courier New" panose="02070309020205020404" pitchFamily="49" charset="0"/>
-                <a:cs typeface="Courier New" panose="02070309020205020404" pitchFamily="49" charset="0"/>
-              </a:rPr>
-              <a:t>fillna</a:t>
-            </a:r>
-            <a:r>
-              <a:rPr lang="en-US" sz="1200" dirty="0">
-                <a:latin typeface="Courier New" panose="02070309020205020404" pitchFamily="49" charset="0"/>
-                <a:cs typeface="Courier New" panose="02070309020205020404" pitchFamily="49" charset="0"/>
-              </a:rPr>
-              <a:t>": 0}</a:t>
-            </a:r>
-          </a:p>
-          <a:p>
-            <a:endParaRPr lang="en-US" sz="1200" dirty="0">
-              <a:latin typeface="Courier New" panose="02070309020205020404" pitchFamily="49" charset="0"/>
-              <a:cs typeface="Courier New" panose="02070309020205020404" pitchFamily="49" charset="0"/>
-            </a:endParaRPr>
-          </a:p>
-          <a:p>
-            <a:endParaRPr lang="en-US" sz="1200" dirty="0">
-              <a:latin typeface="Courier New" panose="02070309020205020404" pitchFamily="49" charset="0"/>
-              <a:cs typeface="Courier New" panose="02070309020205020404" pitchFamily="49" charset="0"/>
-            </a:endParaRPr>
-          </a:p>
-          <a:p>
-            <a:r>
-              <a:rPr lang="en-US" sz="1200" b="1" dirty="0">
-                <a:latin typeface="Courier New" panose="02070309020205020404" pitchFamily="49" charset="0"/>
-                <a:cs typeface="Courier New" panose="02070309020205020404" pitchFamily="49" charset="0"/>
-              </a:rPr>
-              <a:t>def </a:t>
-            </a:r>
-            <a:r>
-              <a:rPr lang="en-US" sz="1200" b="1" dirty="0" err="1">
-                <a:latin typeface="Courier New" panose="02070309020205020404" pitchFamily="49" charset="0"/>
-                <a:cs typeface="Courier New" panose="02070309020205020404" pitchFamily="49" charset="0"/>
-              </a:rPr>
-              <a:t>test_update_config</a:t>
-            </a:r>
-            <a:r>
-              <a:rPr lang="en-US" sz="1200" b="1" dirty="0">
-                <a:latin typeface="Courier New" panose="02070309020205020404" pitchFamily="49" charset="0"/>
-                <a:cs typeface="Courier New" panose="02070309020205020404" pitchFamily="49" charset="0"/>
-              </a:rPr>
-              <a:t>(</a:t>
-            </a:r>
-            <a:r>
-              <a:rPr lang="en-US" sz="1200" b="1" dirty="0" err="1">
-                <a:latin typeface="Courier New" panose="02070309020205020404" pitchFamily="49" charset="0"/>
-                <a:cs typeface="Courier New" panose="02070309020205020404" pitchFamily="49" charset="0"/>
-              </a:rPr>
-              <a:t>default_config</a:t>
-            </a:r>
-            <a:r>
-              <a:rPr lang="en-US" sz="1200" b="1" dirty="0">
-                <a:latin typeface="Courier New" panose="02070309020205020404" pitchFamily="49" charset="0"/>
-                <a:cs typeface="Courier New" panose="02070309020205020404" pitchFamily="49" charset="0"/>
-              </a:rPr>
-              <a:t>):</a:t>
-            </a:r>
-          </a:p>
-          <a:p>
-            <a:r>
-              <a:rPr lang="en-US" sz="1200" dirty="0">
-                <a:latin typeface="Courier New" panose="02070309020205020404" pitchFamily="49" charset="0"/>
-                <a:cs typeface="Courier New" panose="02070309020205020404" pitchFamily="49" charset="0"/>
-              </a:rPr>
-              <a:t>    """Test updating configuration."""</a:t>
-            </a:r>
-          </a:p>
-          <a:p>
-            <a:endParaRPr lang="en-US" sz="1200" dirty="0">
-              <a:latin typeface="Courier New" panose="02070309020205020404" pitchFamily="49" charset="0"/>
-              <a:cs typeface="Courier New" panose="02070309020205020404" pitchFamily="49" charset="0"/>
-            </a:endParaRPr>
+              <a:t>Wordt voor elke test opnieuw uitgevoerd!</a:t>
+            </a:r>
           </a:p>
         </p:txBody>
       </p:sp>
     </p:spTree>
     <p:extLst>
       <p:ext uri="{BB962C8B-B14F-4D97-AF65-F5344CB8AC3E}">
-        <p14:creationId xmlns:p14="http://schemas.microsoft.com/office/powerpoint/2010/main" val="87202000"/>
+        <p14:creationId xmlns:p14="http://schemas.microsoft.com/office/powerpoint/2010/main" val="3875907852"/>
       </p:ext>
     </p:extLst>
   </p:cSld>
@@ -4041,7 +3609,653 @@
             <a:pPr algn="ctr"/>
             <a:r>
               <a:rPr lang="nl-NL" dirty="0"/>
-              <a:t>Bonus – </a:t>
+              <a:t>Demo – </a:t>
+            </a:r>
+            <a:r>
+              <a:rPr lang="nl-NL" dirty="0" err="1"/>
+              <a:t>Fixtures</a:t>
+            </a:r>
+            <a:endParaRPr lang="nl-NL" dirty="0"/>
+          </a:p>
+        </p:txBody>
+      </p:sp>
+    </p:spTree>
+    <p:extLst>
+      <p:ext uri="{BB962C8B-B14F-4D97-AF65-F5344CB8AC3E}">
+        <p14:creationId xmlns:p14="http://schemas.microsoft.com/office/powerpoint/2010/main" val="2496986378"/>
+      </p:ext>
+    </p:extLst>
+  </p:cSld>
+  <p:clrMapOvr>
+    <a:masterClrMapping/>
+  </p:clrMapOvr>
+</p:sld>
+</file>
+
+<file path=ppt/slides/slide12.xml><?xml version="1.0" encoding="utf-8"?>
+<p:sld xmlns:a="http://schemas.openxmlformats.org/drawingml/2006/main" xmlns:r="http://schemas.openxmlformats.org/officeDocument/2006/relationships" xmlns:p="http://schemas.openxmlformats.org/presentationml/2006/main">
+  <p:cSld>
+    <p:spTree>
+      <p:nvGrpSpPr>
+        <p:cNvPr id="1" name=""/>
+        <p:cNvGrpSpPr/>
+        <p:nvPr/>
+      </p:nvGrpSpPr>
+      <p:grpSpPr>
+        <a:xfrm>
+          <a:off x="0" y="0"/>
+          <a:ext cx="0" cy="0"/>
+          <a:chOff x="0" y="0"/>
+          <a:chExt cx="0" cy="0"/>
+        </a:xfrm>
+      </p:grpSpPr>
+      <p:sp>
+        <p:nvSpPr>
+          <p:cNvPr id="2" name="Title 1">
+            <a:extLst>
+              <a:ext uri="{FF2B5EF4-FFF2-40B4-BE49-F238E27FC236}">
+                <a16:creationId xmlns:a16="http://schemas.microsoft.com/office/drawing/2014/main" id="{F0117A71-C343-4E94-A229-F18D53D8BEF6}"/>
+              </a:ext>
+            </a:extLst>
+          </p:cNvPr>
+          <p:cNvSpPr>
+            <a:spLocks noGrp="1"/>
+          </p:cNvSpPr>
+          <p:nvPr>
+            <p:ph type="title"/>
+          </p:nvPr>
+        </p:nvSpPr>
+        <p:spPr/>
+        <p:txBody>
+          <a:bodyPr/>
+          <a:lstStyle/>
+          <a:p>
+            <a:r>
+              <a:rPr lang="nl-NL" dirty="0"/>
+              <a:t>Samenvatting</a:t>
+            </a:r>
+          </a:p>
+        </p:txBody>
+      </p:sp>
+      <p:sp>
+        <p:nvSpPr>
+          <p:cNvPr id="3" name="Content Placeholder 2">
+            <a:extLst>
+              <a:ext uri="{FF2B5EF4-FFF2-40B4-BE49-F238E27FC236}">
+                <a16:creationId xmlns:a16="http://schemas.microsoft.com/office/drawing/2014/main" id="{BAC51C7A-6D7E-4515-BA34-6BEF13D36B55}"/>
+              </a:ext>
+            </a:extLst>
+          </p:cNvPr>
+          <p:cNvSpPr>
+            <a:spLocks noGrp="1"/>
+          </p:cNvSpPr>
+          <p:nvPr>
+            <p:ph idx="1"/>
+          </p:nvPr>
+        </p:nvSpPr>
+        <p:spPr>
+          <a:xfrm>
+            <a:off x="838200" y="1825625"/>
+            <a:ext cx="6620933" cy="4351338"/>
+          </a:xfrm>
+        </p:spPr>
+        <p:txBody>
+          <a:bodyPr>
+            <a:normAutofit lnSpcReduction="10000"/>
+          </a:bodyPr>
+          <a:lstStyle/>
+          <a:p>
+            <a:pPr marL="0" indent="0">
+              <a:buNone/>
+            </a:pPr>
+            <a:r>
+              <a:rPr lang="nl-NL" sz="2000" b="1" dirty="0"/>
+              <a:t>Parameters:</a:t>
+            </a:r>
+          </a:p>
+          <a:p>
+            <a:pPr>
+              <a:buFontTx/>
+              <a:buChar char="-"/>
+            </a:pPr>
+            <a:r>
+              <a:rPr lang="nl-NL" sz="2000" dirty="0"/>
+              <a:t>Draai zelfde test met wisselende gegevens.</a:t>
+            </a:r>
+          </a:p>
+          <a:p>
+            <a:pPr>
+              <a:buFontTx/>
+              <a:buChar char="-"/>
+            </a:pPr>
+            <a:r>
+              <a:rPr lang="nl-NL" sz="2000" dirty="0"/>
+              <a:t>Meestal: invoer =&gt; verwachte uitkomst.</a:t>
+            </a:r>
+          </a:p>
+          <a:p>
+            <a:pPr>
+              <a:buFontTx/>
+              <a:buChar char="-"/>
+            </a:pPr>
+            <a:r>
+              <a:rPr lang="nl-NL" sz="2000" dirty="0"/>
+              <a:t>Geef parameter sets een descriptieve naam (</a:t>
+            </a:r>
+            <a:r>
+              <a:rPr lang="nl-NL" sz="2000" dirty="0" err="1"/>
+              <a:t>ids</a:t>
+            </a:r>
+            <a:r>
+              <a:rPr lang="nl-NL" sz="2000" dirty="0"/>
+              <a:t>).</a:t>
+            </a:r>
+          </a:p>
+          <a:p>
+            <a:pPr marL="0" indent="0">
+              <a:buNone/>
+            </a:pPr>
+            <a:endParaRPr lang="nl-NL" sz="2000" dirty="0"/>
+          </a:p>
+          <a:p>
+            <a:pPr marL="0" indent="0">
+              <a:buNone/>
+            </a:pPr>
+            <a:endParaRPr lang="nl-NL" sz="2000" dirty="0"/>
+          </a:p>
+          <a:p>
+            <a:pPr marL="0" indent="0">
+              <a:buNone/>
+            </a:pPr>
+            <a:r>
+              <a:rPr lang="nl-NL" sz="2000" b="1" dirty="0" err="1"/>
+              <a:t>Fixtures</a:t>
+            </a:r>
+            <a:r>
+              <a:rPr lang="nl-NL" sz="2000" b="1" dirty="0"/>
+              <a:t>:</a:t>
+            </a:r>
+          </a:p>
+          <a:p>
+            <a:pPr>
+              <a:buFontTx/>
+              <a:buChar char="-"/>
+            </a:pPr>
+            <a:r>
+              <a:rPr lang="nl-NL" sz="2000" dirty="0"/>
+              <a:t>Herbruikbare functie om waardes te genereren.</a:t>
+            </a:r>
+          </a:p>
+          <a:p>
+            <a:pPr>
+              <a:buFontTx/>
+              <a:buChar char="-"/>
+            </a:pPr>
+            <a:r>
+              <a:rPr lang="nl-NL" sz="2000" dirty="0"/>
+              <a:t>Aangemaakt met </a:t>
+            </a:r>
+            <a:r>
+              <a:rPr lang="nl-NL" sz="2000" dirty="0">
+                <a:latin typeface="Courier New" panose="02070309020205020404" pitchFamily="49" charset="0"/>
+                <a:cs typeface="Courier New" panose="02070309020205020404" pitchFamily="49" charset="0"/>
+              </a:rPr>
+              <a:t>@pytest.fixture</a:t>
+            </a:r>
+            <a:r>
+              <a:rPr lang="nl-NL" sz="2000" dirty="0"/>
+              <a:t> </a:t>
+            </a:r>
+            <a:r>
+              <a:rPr lang="nl-NL" sz="2000" dirty="0" err="1"/>
+              <a:t>decorator</a:t>
+            </a:r>
+            <a:r>
+              <a:rPr lang="nl-NL" sz="2000" dirty="0"/>
+              <a:t>.</a:t>
+            </a:r>
+          </a:p>
+          <a:p>
+            <a:pPr>
+              <a:buFontTx/>
+              <a:buChar char="-"/>
+            </a:pPr>
+            <a:r>
+              <a:rPr lang="nl-NL" sz="2000" dirty="0"/>
+              <a:t>Meegegeven aan een test als argument.</a:t>
+            </a:r>
+          </a:p>
+          <a:p>
+            <a:pPr>
+              <a:buFontTx/>
+              <a:buChar char="-"/>
+            </a:pPr>
+            <a:r>
+              <a:rPr lang="nl-NL" sz="2000" dirty="0"/>
+              <a:t>Wordt voor elke test opnieuw aangemaakt!</a:t>
+            </a:r>
+          </a:p>
+          <a:p>
+            <a:pPr marL="0" indent="0">
+              <a:buNone/>
+            </a:pPr>
+            <a:endParaRPr lang="nl-NL" sz="2000" dirty="0"/>
+          </a:p>
+          <a:p>
+            <a:pPr marL="0" indent="0">
+              <a:buNone/>
+            </a:pPr>
+            <a:endParaRPr lang="nl-NL" sz="2000" dirty="0"/>
+          </a:p>
+          <a:p>
+            <a:pPr marL="0" indent="0">
+              <a:buNone/>
+            </a:pPr>
+            <a:endParaRPr lang="nl-NL" sz="2000" dirty="0" err="1"/>
+          </a:p>
+        </p:txBody>
+      </p:sp>
+      <p:sp>
+        <p:nvSpPr>
+          <p:cNvPr id="5" name="Rectangle 4">
+            <a:extLst>
+              <a:ext uri="{FF2B5EF4-FFF2-40B4-BE49-F238E27FC236}">
+                <a16:creationId xmlns:a16="http://schemas.microsoft.com/office/drawing/2014/main" id="{BF3C5D9D-7D1F-79AF-659B-A7B6754AA413}"/>
+              </a:ext>
+            </a:extLst>
+          </p:cNvPr>
+          <p:cNvSpPr/>
+          <p:nvPr/>
+        </p:nvSpPr>
+        <p:spPr>
+          <a:xfrm>
+            <a:off x="7924800" y="1173892"/>
+            <a:ext cx="3962400" cy="2449841"/>
+          </a:xfrm>
+          <a:prstGeom prst="rect">
+            <a:avLst/>
+          </a:prstGeom>
+        </p:spPr>
+        <p:style>
+          <a:lnRef idx="1">
+            <a:schemeClr val="accent4"/>
+          </a:lnRef>
+          <a:fillRef idx="2">
+            <a:schemeClr val="accent4"/>
+          </a:fillRef>
+          <a:effectRef idx="1">
+            <a:schemeClr val="accent4"/>
+          </a:effectRef>
+          <a:fontRef idx="minor">
+            <a:schemeClr val="dk1"/>
+          </a:fontRef>
+        </p:style>
+        <p:txBody>
+          <a:bodyPr rtlCol="0" anchor="ctr"/>
+          <a:lstStyle/>
+          <a:p>
+            <a:r>
+              <a:rPr lang="en-US" sz="1200" b="1" dirty="0">
+                <a:latin typeface="Courier New" panose="02070309020205020404" pitchFamily="49" charset="0"/>
+                <a:cs typeface="Courier New" panose="02070309020205020404" pitchFamily="49" charset="0"/>
+              </a:rPr>
+              <a:t>@pytest.mark.parametrize(</a:t>
+            </a:r>
+          </a:p>
+          <a:p>
+            <a:r>
+              <a:rPr lang="en-US" sz="1200" dirty="0">
+                <a:latin typeface="Courier New" panose="02070309020205020404" pitchFamily="49" charset="0"/>
+                <a:cs typeface="Courier New" panose="02070309020205020404" pitchFamily="49" charset="0"/>
+              </a:rPr>
+              <a:t>    </a:t>
+            </a:r>
+            <a:r>
+              <a:rPr lang="en-US" sz="1200" dirty="0" err="1">
+                <a:latin typeface="Courier New" panose="02070309020205020404" pitchFamily="49" charset="0"/>
+                <a:cs typeface="Courier New" panose="02070309020205020404" pitchFamily="49" charset="0"/>
+              </a:rPr>
+              <a:t>argnames</a:t>
+            </a:r>
+            <a:r>
+              <a:rPr lang="en-US" sz="1200" dirty="0">
+                <a:latin typeface="Courier New" panose="02070309020205020404" pitchFamily="49" charset="0"/>
+                <a:cs typeface="Courier New" panose="02070309020205020404" pitchFamily="49" charset="0"/>
+              </a:rPr>
+              <a:t>=["numbers", "expected"],</a:t>
+            </a:r>
+          </a:p>
+          <a:p>
+            <a:r>
+              <a:rPr lang="en-US" sz="1200" dirty="0">
+                <a:latin typeface="Courier New" panose="02070309020205020404" pitchFamily="49" charset="0"/>
+                <a:cs typeface="Courier New" panose="02070309020205020404" pitchFamily="49" charset="0"/>
+              </a:rPr>
+              <a:t>    </a:t>
+            </a:r>
+            <a:r>
+              <a:rPr lang="en-US" sz="1200" dirty="0" err="1">
+                <a:latin typeface="Courier New" panose="02070309020205020404" pitchFamily="49" charset="0"/>
+                <a:cs typeface="Courier New" panose="02070309020205020404" pitchFamily="49" charset="0"/>
+              </a:rPr>
+              <a:t>argvalues</a:t>
+            </a:r>
+            <a:r>
+              <a:rPr lang="en-US" sz="1200" dirty="0">
+                <a:latin typeface="Courier New" panose="02070309020205020404" pitchFamily="49" charset="0"/>
+                <a:cs typeface="Courier New" panose="02070309020205020404" pitchFamily="49" charset="0"/>
+              </a:rPr>
+              <a:t>=[</a:t>
+            </a:r>
+          </a:p>
+          <a:p>
+            <a:r>
+              <a:rPr lang="en-US" sz="1200" dirty="0">
+                <a:latin typeface="Courier New" panose="02070309020205020404" pitchFamily="49" charset="0"/>
+                <a:cs typeface="Courier New" panose="02070309020205020404" pitchFamily="49" charset="0"/>
+              </a:rPr>
+              <a:t>        ([1, 2, 3], 2)</a:t>
+            </a:r>
+          </a:p>
+          <a:p>
+            <a:r>
+              <a:rPr lang="en-US" sz="1200" dirty="0">
+                <a:latin typeface="Courier New" panose="02070309020205020404" pitchFamily="49" charset="0"/>
+                <a:cs typeface="Courier New" panose="02070309020205020404" pitchFamily="49" charset="0"/>
+              </a:rPr>
+              <a:t>    ],</a:t>
+            </a:r>
+          </a:p>
+          <a:p>
+            <a:r>
+              <a:rPr lang="en-US" sz="1200" dirty="0">
+                <a:latin typeface="Courier New" panose="02070309020205020404" pitchFamily="49" charset="0"/>
+                <a:cs typeface="Courier New" panose="02070309020205020404" pitchFamily="49" charset="0"/>
+              </a:rPr>
+              <a:t>    ids=["Positive numbers"]</a:t>
+            </a:r>
+          </a:p>
+          <a:p>
+            <a:r>
+              <a:rPr lang="en-US" sz="1200" b="1" dirty="0">
+                <a:latin typeface="Courier New" panose="02070309020205020404" pitchFamily="49" charset="0"/>
+                <a:cs typeface="Courier New" panose="02070309020205020404" pitchFamily="49" charset="0"/>
+              </a:rPr>
+              <a:t>)</a:t>
+            </a:r>
+          </a:p>
+          <a:p>
+            <a:r>
+              <a:rPr lang="en-US" sz="1200" b="1" dirty="0">
+                <a:latin typeface="Courier New" panose="02070309020205020404" pitchFamily="49" charset="0"/>
+                <a:cs typeface="Courier New" panose="02070309020205020404" pitchFamily="49" charset="0"/>
+              </a:rPr>
+              <a:t>def </a:t>
+            </a:r>
+            <a:r>
+              <a:rPr lang="en-US" sz="1200" b="1" dirty="0" err="1">
+                <a:latin typeface="Courier New" panose="02070309020205020404" pitchFamily="49" charset="0"/>
+                <a:cs typeface="Courier New" panose="02070309020205020404" pitchFamily="49" charset="0"/>
+              </a:rPr>
+              <a:t>test_mean</a:t>
+            </a:r>
+            <a:r>
+              <a:rPr lang="en-US" sz="1200" b="1" dirty="0">
+                <a:latin typeface="Courier New" panose="02070309020205020404" pitchFamily="49" charset="0"/>
+                <a:cs typeface="Courier New" panose="02070309020205020404" pitchFamily="49" charset="0"/>
+              </a:rPr>
+              <a:t>(numbers, expected):</a:t>
+            </a:r>
+          </a:p>
+          <a:p>
+            <a:r>
+              <a:rPr lang="en-US" sz="1200" dirty="0">
+                <a:latin typeface="Courier New" panose="02070309020205020404" pitchFamily="49" charset="0"/>
+                <a:cs typeface="Courier New" panose="02070309020205020404" pitchFamily="49" charset="0"/>
+              </a:rPr>
+              <a:t>    """Test mean using parameters."""</a:t>
+            </a:r>
+          </a:p>
+          <a:p>
+            <a:r>
+              <a:rPr lang="en-US" sz="1200" dirty="0">
+                <a:latin typeface="Courier New" panose="02070309020205020404" pitchFamily="49" charset="0"/>
+                <a:cs typeface="Courier New" panose="02070309020205020404" pitchFamily="49" charset="0"/>
+              </a:rPr>
+              <a:t>    assert mean(numbers) == expected</a:t>
+            </a:r>
+          </a:p>
+          <a:p>
+            <a:endParaRPr lang="en-US" sz="1200" dirty="0">
+              <a:latin typeface="Courier New" panose="02070309020205020404" pitchFamily="49" charset="0"/>
+              <a:cs typeface="Courier New" panose="02070309020205020404" pitchFamily="49" charset="0"/>
+            </a:endParaRPr>
+          </a:p>
+        </p:txBody>
+      </p:sp>
+      <p:sp>
+        <p:nvSpPr>
+          <p:cNvPr id="6" name="Rectangle 5">
+            <a:extLst>
+              <a:ext uri="{FF2B5EF4-FFF2-40B4-BE49-F238E27FC236}">
+                <a16:creationId xmlns:a16="http://schemas.microsoft.com/office/drawing/2014/main" id="{21728304-D7D4-9B8D-CDDD-474B3FE731E8}"/>
+              </a:ext>
+            </a:extLst>
+          </p:cNvPr>
+          <p:cNvSpPr/>
+          <p:nvPr/>
+        </p:nvSpPr>
+        <p:spPr>
+          <a:xfrm>
+            <a:off x="7924800" y="4224866"/>
+            <a:ext cx="3962400" cy="1933044"/>
+          </a:xfrm>
+          <a:prstGeom prst="rect">
+            <a:avLst/>
+          </a:prstGeom>
+        </p:spPr>
+        <p:style>
+          <a:lnRef idx="1">
+            <a:schemeClr val="accent4"/>
+          </a:lnRef>
+          <a:fillRef idx="2">
+            <a:schemeClr val="accent4"/>
+          </a:fillRef>
+          <a:effectRef idx="1">
+            <a:schemeClr val="accent4"/>
+          </a:effectRef>
+          <a:fontRef idx="minor">
+            <a:schemeClr val="dk1"/>
+          </a:fontRef>
+        </p:style>
+        <p:txBody>
+          <a:bodyPr rtlCol="0" anchor="ctr"/>
+          <a:lstStyle/>
+          <a:p>
+            <a:r>
+              <a:rPr lang="en-US" sz="1200" b="1" dirty="0">
+                <a:latin typeface="Courier New" panose="02070309020205020404" pitchFamily="49" charset="0"/>
+                <a:cs typeface="Courier New" panose="02070309020205020404" pitchFamily="49" charset="0"/>
+              </a:rPr>
+              <a:t>@pytest.fixture</a:t>
+            </a:r>
+          </a:p>
+          <a:p>
+            <a:r>
+              <a:rPr lang="en-US" sz="1200" b="1" dirty="0">
+                <a:latin typeface="Courier New" panose="02070309020205020404" pitchFamily="49" charset="0"/>
+                <a:cs typeface="Courier New" panose="02070309020205020404" pitchFamily="49" charset="0"/>
+              </a:rPr>
+              <a:t>def </a:t>
+            </a:r>
+            <a:r>
+              <a:rPr lang="en-US" sz="1200" b="1" dirty="0" err="1">
+                <a:latin typeface="Courier New" panose="02070309020205020404" pitchFamily="49" charset="0"/>
+                <a:cs typeface="Courier New" panose="02070309020205020404" pitchFamily="49" charset="0"/>
+              </a:rPr>
+              <a:t>default_config</a:t>
+            </a:r>
+            <a:r>
+              <a:rPr lang="en-US" sz="1200" b="1" dirty="0">
+                <a:latin typeface="Courier New" panose="02070309020205020404" pitchFamily="49" charset="0"/>
+                <a:cs typeface="Courier New" panose="02070309020205020404" pitchFamily="49" charset="0"/>
+              </a:rPr>
+              <a:t>():</a:t>
+            </a:r>
+          </a:p>
+          <a:p>
+            <a:r>
+              <a:rPr lang="en-US" sz="1200" dirty="0">
+                <a:latin typeface="Courier New" panose="02070309020205020404" pitchFamily="49" charset="0"/>
+                <a:cs typeface="Courier New" panose="02070309020205020404" pitchFamily="49" charset="0"/>
+              </a:rPr>
+              <a:t>    """Return default configuration."""</a:t>
+            </a:r>
+          </a:p>
+          <a:p>
+            <a:r>
+              <a:rPr lang="en-US" sz="1200" dirty="0">
+                <a:latin typeface="Courier New" panose="02070309020205020404" pitchFamily="49" charset="0"/>
+                <a:cs typeface="Courier New" panose="02070309020205020404" pitchFamily="49" charset="0"/>
+              </a:rPr>
+              <a:t>    return {"</a:t>
+            </a:r>
+            <a:r>
+              <a:rPr lang="en-US" sz="1200" dirty="0" err="1">
+                <a:latin typeface="Courier New" panose="02070309020205020404" pitchFamily="49" charset="0"/>
+                <a:cs typeface="Courier New" panose="02070309020205020404" pitchFamily="49" charset="0"/>
+              </a:rPr>
+              <a:t>fillna</a:t>
+            </a:r>
+            <a:r>
+              <a:rPr lang="en-US" sz="1200" dirty="0">
+                <a:latin typeface="Courier New" panose="02070309020205020404" pitchFamily="49" charset="0"/>
+                <a:cs typeface="Courier New" panose="02070309020205020404" pitchFamily="49" charset="0"/>
+              </a:rPr>
+              <a:t>": 0}</a:t>
+            </a:r>
+          </a:p>
+          <a:p>
+            <a:endParaRPr lang="en-US" sz="1200" dirty="0">
+              <a:latin typeface="Courier New" panose="02070309020205020404" pitchFamily="49" charset="0"/>
+              <a:cs typeface="Courier New" panose="02070309020205020404" pitchFamily="49" charset="0"/>
+            </a:endParaRPr>
+          </a:p>
+          <a:p>
+            <a:endParaRPr lang="en-US" sz="1200" dirty="0">
+              <a:latin typeface="Courier New" panose="02070309020205020404" pitchFamily="49" charset="0"/>
+              <a:cs typeface="Courier New" panose="02070309020205020404" pitchFamily="49" charset="0"/>
+            </a:endParaRPr>
+          </a:p>
+          <a:p>
+            <a:r>
+              <a:rPr lang="en-US" sz="1200" b="1" dirty="0">
+                <a:latin typeface="Courier New" panose="02070309020205020404" pitchFamily="49" charset="0"/>
+                <a:cs typeface="Courier New" panose="02070309020205020404" pitchFamily="49" charset="0"/>
+              </a:rPr>
+              <a:t>def </a:t>
+            </a:r>
+            <a:r>
+              <a:rPr lang="en-US" sz="1200" b="1" dirty="0" err="1">
+                <a:latin typeface="Courier New" panose="02070309020205020404" pitchFamily="49" charset="0"/>
+                <a:cs typeface="Courier New" panose="02070309020205020404" pitchFamily="49" charset="0"/>
+              </a:rPr>
+              <a:t>test_update_config</a:t>
+            </a:r>
+            <a:r>
+              <a:rPr lang="en-US" sz="1200" b="1" dirty="0">
+                <a:latin typeface="Courier New" panose="02070309020205020404" pitchFamily="49" charset="0"/>
+                <a:cs typeface="Courier New" panose="02070309020205020404" pitchFamily="49" charset="0"/>
+              </a:rPr>
+              <a:t>(</a:t>
+            </a:r>
+            <a:r>
+              <a:rPr lang="en-US" sz="1200" b="1" dirty="0" err="1">
+                <a:latin typeface="Courier New" panose="02070309020205020404" pitchFamily="49" charset="0"/>
+                <a:cs typeface="Courier New" panose="02070309020205020404" pitchFamily="49" charset="0"/>
+              </a:rPr>
+              <a:t>default_config</a:t>
+            </a:r>
+            <a:r>
+              <a:rPr lang="en-US" sz="1200" b="1" dirty="0">
+                <a:latin typeface="Courier New" panose="02070309020205020404" pitchFamily="49" charset="0"/>
+                <a:cs typeface="Courier New" panose="02070309020205020404" pitchFamily="49" charset="0"/>
+              </a:rPr>
+              <a:t>):</a:t>
+            </a:r>
+          </a:p>
+          <a:p>
+            <a:r>
+              <a:rPr lang="en-US" sz="1200" dirty="0">
+                <a:latin typeface="Courier New" panose="02070309020205020404" pitchFamily="49" charset="0"/>
+                <a:cs typeface="Courier New" panose="02070309020205020404" pitchFamily="49" charset="0"/>
+              </a:rPr>
+              <a:t>    """Test updating configuration."""</a:t>
+            </a:r>
+          </a:p>
+          <a:p>
+            <a:endParaRPr lang="en-US" sz="1200" dirty="0">
+              <a:latin typeface="Courier New" panose="02070309020205020404" pitchFamily="49" charset="0"/>
+              <a:cs typeface="Courier New" panose="02070309020205020404" pitchFamily="49" charset="0"/>
+            </a:endParaRPr>
+          </a:p>
+        </p:txBody>
+      </p:sp>
+    </p:spTree>
+    <p:extLst>
+      <p:ext uri="{BB962C8B-B14F-4D97-AF65-F5344CB8AC3E}">
+        <p14:creationId xmlns:p14="http://schemas.microsoft.com/office/powerpoint/2010/main" val="87202000"/>
+      </p:ext>
+    </p:extLst>
+  </p:cSld>
+  <p:clrMapOvr>
+    <a:masterClrMapping/>
+  </p:clrMapOvr>
+</p:sld>
+</file>
+
+<file path=ppt/slides/slide13.xml><?xml version="1.0" encoding="utf-8"?>
+<p:sld xmlns:a="http://schemas.openxmlformats.org/drawingml/2006/main" xmlns:r="http://schemas.openxmlformats.org/officeDocument/2006/relationships" xmlns:p="http://schemas.openxmlformats.org/presentationml/2006/main">
+  <p:cSld>
+    <p:spTree>
+      <p:nvGrpSpPr>
+        <p:cNvPr id="1" name=""/>
+        <p:cNvGrpSpPr/>
+        <p:nvPr/>
+      </p:nvGrpSpPr>
+      <p:grpSpPr>
+        <a:xfrm>
+          <a:off x="0" y="0"/>
+          <a:ext cx="0" cy="0"/>
+          <a:chOff x="0" y="0"/>
+          <a:chExt cx="0" cy="0"/>
+        </a:xfrm>
+      </p:grpSpPr>
+      <p:sp>
+        <p:nvSpPr>
+          <p:cNvPr id="4" name="Title 3">
+            <a:extLst>
+              <a:ext uri="{FF2B5EF4-FFF2-40B4-BE49-F238E27FC236}">
+                <a16:creationId xmlns:a16="http://schemas.microsoft.com/office/drawing/2014/main" id="{51333423-ACB5-5ADB-CF84-4200CA8C53B4}"/>
+              </a:ext>
+            </a:extLst>
+          </p:cNvPr>
+          <p:cNvSpPr>
+            <a:spLocks noGrp="1"/>
+          </p:cNvSpPr>
+          <p:nvPr>
+            <p:ph type="ctrTitle"/>
+          </p:nvPr>
+        </p:nvSpPr>
+        <p:spPr/>
+        <p:txBody>
+          <a:bodyPr/>
+          <a:lstStyle/>
+          <a:p>
+            <a:pPr algn="ctr"/>
+            <a:r>
+              <a:rPr lang="nl-NL" dirty="0"/>
+              <a:t>Bonus – Tests met </a:t>
             </a:r>
             <a:r>
               <a:rPr lang="nl-NL" dirty="0" err="1"/>
@@ -4064,7 +4278,7 @@
 </p:sld>
 </file>
 
-<file path=ppt/slides/slide12.xml><?xml version="1.0" encoding="utf-8"?>
+<file path=ppt/slides/slide14.xml><?xml version="1.0" encoding="utf-8"?>
 <p:sld xmlns:a="http://schemas.openxmlformats.org/drawingml/2006/main" xmlns:r="http://schemas.openxmlformats.org/officeDocument/2006/relationships" xmlns:p="http://schemas.openxmlformats.org/presentationml/2006/main">
   <p:cSld>
     <p:spTree>
@@ -4326,8 +4540,8 @@
           <a:lstStyle/>
           <a:p>
             <a:r>
-              <a:rPr lang="nl-NL"/>
-              <a:t>Menukaart</a:t>
+              <a:rPr lang="nl-NL" dirty="0"/>
+              <a:t>Agenda</a:t>
             </a:r>
           </a:p>
         </p:txBody>
@@ -5259,14 +5473,14 @@
             <a:pPr lvl="1"/>
             <a:r>
               <a:rPr lang="nl-NL" sz="1600" dirty="0"/>
-              <a:t>Referentie is hoe de code aanvankelijk werkte.</a:t>
+              <a:t>Hoe de code aanvankelijk werkte is referentiekader.</a:t>
             </a:r>
           </a:p>
           <a:p>
             <a:pPr lvl="1"/>
             <a:r>
               <a:rPr lang="nl-NL" sz="1600" dirty="0"/>
-              <a:t>Wat correct of incorrect is, is vaak subjectief.</a:t>
+              <a:t>Correct of incorrect is vaak subjectief.</a:t>
             </a:r>
           </a:p>
           <a:p>
@@ -5375,18 +5589,18 @@
       </p:grpSpPr>
       <p:sp>
         <p:nvSpPr>
-          <p:cNvPr id="4" name="Title 3">
-            <a:extLst>
-              <a:ext uri="{FF2B5EF4-FFF2-40B4-BE49-F238E27FC236}">
-                <a16:creationId xmlns:a16="http://schemas.microsoft.com/office/drawing/2014/main" id="{51333423-ACB5-5ADB-CF84-4200CA8C53B4}"/>
-              </a:ext>
-            </a:extLst>
-          </p:cNvPr>
-          <p:cNvSpPr>
-            <a:spLocks noGrp="1"/>
-          </p:cNvSpPr>
-          <p:nvPr>
-            <p:ph type="ctrTitle"/>
+          <p:cNvPr id="2" name="Title 1">
+            <a:extLst>
+              <a:ext uri="{FF2B5EF4-FFF2-40B4-BE49-F238E27FC236}">
+                <a16:creationId xmlns:a16="http://schemas.microsoft.com/office/drawing/2014/main" id="{F0117A71-C343-4E94-A229-F18D53D8BEF6}"/>
+              </a:ext>
+            </a:extLst>
+          </p:cNvPr>
+          <p:cNvSpPr>
+            <a:spLocks noGrp="1"/>
+          </p:cNvSpPr>
+          <p:nvPr>
+            <p:ph type="title"/>
           </p:nvPr>
         </p:nvSpPr>
         <p:spPr/>
@@ -5394,18 +5608,476 @@
           <a:bodyPr/>
           <a:lstStyle/>
           <a:p>
-            <a:pPr algn="ctr"/>
-            <a:r>
-              <a:rPr lang="nl-NL"/>
-              <a:t>Demo – Basale tests</a:t>
-            </a:r>
-          </a:p>
-        </p:txBody>
-      </p:sp>
+            <a:r>
+              <a:rPr lang="nl-NL" dirty="0" err="1"/>
+              <a:t>Frameworks</a:t>
+            </a:r>
+            <a:r>
+              <a:rPr lang="nl-NL" dirty="0"/>
+              <a:t> in Python</a:t>
+            </a:r>
+          </a:p>
+        </p:txBody>
+      </p:sp>
+      <p:sp>
+        <p:nvSpPr>
+          <p:cNvPr id="3" name="Content Placeholder 2">
+            <a:extLst>
+              <a:ext uri="{FF2B5EF4-FFF2-40B4-BE49-F238E27FC236}">
+                <a16:creationId xmlns:a16="http://schemas.microsoft.com/office/drawing/2014/main" id="{BAC51C7A-6D7E-4515-BA34-6BEF13D36B55}"/>
+              </a:ext>
+            </a:extLst>
+          </p:cNvPr>
+          <p:cNvSpPr>
+            <a:spLocks noGrp="1"/>
+          </p:cNvSpPr>
+          <p:nvPr>
+            <p:ph idx="1"/>
+          </p:nvPr>
+        </p:nvSpPr>
+        <p:spPr>
+          <a:xfrm>
+            <a:off x="838200" y="1825625"/>
+            <a:ext cx="4648200" cy="4351338"/>
+          </a:xfrm>
+        </p:spPr>
+        <p:txBody>
+          <a:bodyPr>
+            <a:normAutofit/>
+          </a:bodyPr>
+          <a:lstStyle/>
+          <a:p>
+            <a:pPr marL="0" indent="0">
+              <a:buNone/>
+            </a:pPr>
+            <a:r>
+              <a:rPr lang="nl-NL" sz="2000" dirty="0"/>
+              <a:t>unittest</a:t>
+            </a:r>
+          </a:p>
+          <a:p>
+            <a:pPr marL="0" indent="0">
+              <a:buNone/>
+            </a:pPr>
+            <a:endParaRPr lang="nl-NL" sz="1600" dirty="0"/>
+          </a:p>
+          <a:p>
+            <a:pPr>
+              <a:buFontTx/>
+              <a:buChar char="-"/>
+            </a:pPr>
+            <a:r>
+              <a:rPr lang="nl-NL" sz="1600" dirty="0"/>
+              <a:t>Onderdeel van de standaard bibliotheek.</a:t>
+            </a:r>
+          </a:p>
+          <a:p>
+            <a:pPr>
+              <a:buFontTx/>
+              <a:buChar char="-"/>
+            </a:pPr>
+            <a:endParaRPr lang="nl-NL" sz="1600" dirty="0"/>
+          </a:p>
+          <a:p>
+            <a:pPr>
+              <a:buFontTx/>
+              <a:buChar char="-"/>
+            </a:pPr>
+            <a:r>
+              <a:rPr lang="nl-NL" sz="1600" dirty="0"/>
+              <a:t>Gebruikt in </a:t>
+            </a:r>
+            <a:r>
+              <a:rPr lang="nl-NL" sz="1600" dirty="0" err="1"/>
+              <a:t>DataBricks</a:t>
+            </a:r>
+            <a:r>
+              <a:rPr lang="nl-NL" sz="1600" dirty="0"/>
+              <a:t> </a:t>
+            </a:r>
+            <a:r>
+              <a:rPr lang="nl-NL" sz="1600" dirty="0" err="1"/>
+              <a:t>workbooks</a:t>
+            </a:r>
+            <a:r>
+              <a:rPr lang="nl-NL" sz="1600" dirty="0"/>
+              <a:t>.</a:t>
+            </a:r>
+          </a:p>
+          <a:p>
+            <a:pPr>
+              <a:buFontTx/>
+              <a:buChar char="-"/>
+            </a:pPr>
+            <a:endParaRPr lang="nl-NL" sz="1600" dirty="0"/>
+          </a:p>
+          <a:p>
+            <a:pPr>
+              <a:buFontTx/>
+              <a:buChar char="-"/>
+            </a:pPr>
+            <a:r>
+              <a:rPr lang="nl-NL" sz="1600" dirty="0"/>
+              <a:t>Langere code, </a:t>
+            </a:r>
+            <a:r>
+              <a:rPr lang="nl-NL" sz="1600" dirty="0" err="1"/>
+              <a:t>CamelCaps</a:t>
+            </a:r>
+            <a:r>
+              <a:rPr lang="nl-NL" sz="1600" dirty="0"/>
+              <a:t> syntax.</a:t>
+            </a:r>
+          </a:p>
+          <a:p>
+            <a:pPr>
+              <a:buFontTx/>
+              <a:buChar char="-"/>
+            </a:pPr>
+            <a:endParaRPr lang="nl-NL" sz="1600" dirty="0"/>
+          </a:p>
+          <a:p>
+            <a:pPr>
+              <a:buFontTx/>
+              <a:buChar char="-"/>
+            </a:pPr>
+            <a:r>
+              <a:rPr lang="nl-NL" sz="1600" dirty="0"/>
+              <a:t>Minder flexibel / </a:t>
+            </a:r>
+            <a:r>
+              <a:rPr lang="nl-NL" sz="1600" dirty="0" err="1"/>
+              <a:t>uitbreidbaar</a:t>
+            </a:r>
+            <a:r>
+              <a:rPr lang="nl-NL" sz="1600" dirty="0"/>
+              <a:t>.</a:t>
+            </a:r>
+          </a:p>
+        </p:txBody>
+      </p:sp>
+      <p:sp>
+        <p:nvSpPr>
+          <p:cNvPr id="4" name="Content Placeholder 2">
+            <a:extLst>
+              <a:ext uri="{FF2B5EF4-FFF2-40B4-BE49-F238E27FC236}">
+                <a16:creationId xmlns:a16="http://schemas.microsoft.com/office/drawing/2014/main" id="{A4103E9E-1E62-1735-5E0B-0ED70F025F8E}"/>
+              </a:ext>
+            </a:extLst>
+          </p:cNvPr>
+          <p:cNvSpPr txBox="1">
+            <a:spLocks/>
+          </p:cNvSpPr>
+          <p:nvPr/>
+        </p:nvSpPr>
+        <p:spPr>
+          <a:xfrm>
+            <a:off x="6705602" y="1825625"/>
+            <a:ext cx="4648200" cy="4351338"/>
+          </a:xfrm>
+          <a:prstGeom prst="rect">
+            <a:avLst/>
+          </a:prstGeom>
+        </p:spPr>
+        <p:txBody>
+          <a:bodyPr vert="horz" lIns="91440" tIns="45720" rIns="91440" bIns="45720" rtlCol="0">
+            <a:normAutofit/>
+          </a:bodyPr>
+          <a:lstStyle>
+            <a:lvl1pPr marL="228600" indent="-228600" algn="l" defTabSz="914400" rtl="0" eaLnBrk="1" latinLnBrk="0" hangingPunct="1">
+              <a:lnSpc>
+                <a:spcPct val="90000"/>
+              </a:lnSpc>
+              <a:spcBef>
+                <a:spcPts val="1000"/>
+              </a:spcBef>
+              <a:buFont typeface="Arial" panose="020B0604020202020204" pitchFamily="34" charset="0"/>
+              <a:buChar char="•"/>
+              <a:defRPr sz="2800" kern="1200">
+                <a:solidFill>
+                  <a:schemeClr val="tx1"/>
+                </a:solidFill>
+                <a:latin typeface="+mn-lt"/>
+                <a:ea typeface="+mn-ea"/>
+                <a:cs typeface="+mn-cs"/>
+              </a:defRPr>
+            </a:lvl1pPr>
+            <a:lvl2pPr marL="685800" indent="-228600" algn="l" defTabSz="914400" rtl="0" eaLnBrk="1" latinLnBrk="0" hangingPunct="1">
+              <a:lnSpc>
+                <a:spcPct val="90000"/>
+              </a:lnSpc>
+              <a:spcBef>
+                <a:spcPts val="500"/>
+              </a:spcBef>
+              <a:buFont typeface="Arial" panose="020B0604020202020204" pitchFamily="34" charset="0"/>
+              <a:buChar char="•"/>
+              <a:defRPr sz="2400" kern="1200">
+                <a:solidFill>
+                  <a:schemeClr val="tx1"/>
+                </a:solidFill>
+                <a:latin typeface="+mn-lt"/>
+                <a:ea typeface="+mn-ea"/>
+                <a:cs typeface="+mn-cs"/>
+              </a:defRPr>
+            </a:lvl2pPr>
+            <a:lvl3pPr marL="1143000" indent="-228600" algn="l" defTabSz="914400" rtl="0" eaLnBrk="1" latinLnBrk="0" hangingPunct="1">
+              <a:lnSpc>
+                <a:spcPct val="90000"/>
+              </a:lnSpc>
+              <a:spcBef>
+                <a:spcPts val="500"/>
+              </a:spcBef>
+              <a:buFont typeface="Arial" panose="020B0604020202020204" pitchFamily="34" charset="0"/>
+              <a:buChar char="•"/>
+              <a:defRPr sz="2000" kern="1200">
+                <a:solidFill>
+                  <a:schemeClr val="tx1"/>
+                </a:solidFill>
+                <a:latin typeface="+mn-lt"/>
+                <a:ea typeface="+mn-ea"/>
+                <a:cs typeface="+mn-cs"/>
+              </a:defRPr>
+            </a:lvl3pPr>
+            <a:lvl4pPr marL="1600200" indent="-228600" algn="l" defTabSz="914400" rtl="0" eaLnBrk="1" latinLnBrk="0" hangingPunct="1">
+              <a:lnSpc>
+                <a:spcPct val="90000"/>
+              </a:lnSpc>
+              <a:spcBef>
+                <a:spcPts val="500"/>
+              </a:spcBef>
+              <a:buFont typeface="Arial" panose="020B0604020202020204" pitchFamily="34" charset="0"/>
+              <a:buChar char="•"/>
+              <a:defRPr sz="1800" kern="1200">
+                <a:solidFill>
+                  <a:schemeClr val="tx1"/>
+                </a:solidFill>
+                <a:latin typeface="+mn-lt"/>
+                <a:ea typeface="+mn-ea"/>
+                <a:cs typeface="+mn-cs"/>
+              </a:defRPr>
+            </a:lvl4pPr>
+            <a:lvl5pPr marL="2057400" indent="-228600" algn="l" defTabSz="914400" rtl="0" eaLnBrk="1" latinLnBrk="0" hangingPunct="1">
+              <a:lnSpc>
+                <a:spcPct val="90000"/>
+              </a:lnSpc>
+              <a:spcBef>
+                <a:spcPts val="500"/>
+              </a:spcBef>
+              <a:buFont typeface="Arial" panose="020B0604020202020204" pitchFamily="34" charset="0"/>
+              <a:buChar char="•"/>
+              <a:defRPr sz="1800" kern="1200">
+                <a:solidFill>
+                  <a:schemeClr val="tx1"/>
+                </a:solidFill>
+                <a:latin typeface="+mn-lt"/>
+                <a:ea typeface="+mn-ea"/>
+                <a:cs typeface="+mn-cs"/>
+              </a:defRPr>
+            </a:lvl5pPr>
+            <a:lvl6pPr marL="2514600" indent="-228600" algn="l" defTabSz="914400" rtl="0" eaLnBrk="1" latinLnBrk="0" hangingPunct="1">
+              <a:lnSpc>
+                <a:spcPct val="90000"/>
+              </a:lnSpc>
+              <a:spcBef>
+                <a:spcPts val="500"/>
+              </a:spcBef>
+              <a:buFont typeface="Arial" panose="020B0604020202020204" pitchFamily="34" charset="0"/>
+              <a:buChar char="•"/>
+              <a:defRPr sz="1800" kern="1200">
+                <a:solidFill>
+                  <a:schemeClr val="tx1"/>
+                </a:solidFill>
+                <a:latin typeface="+mn-lt"/>
+                <a:ea typeface="+mn-ea"/>
+                <a:cs typeface="+mn-cs"/>
+              </a:defRPr>
+            </a:lvl6pPr>
+            <a:lvl7pPr marL="2971800" indent="-228600" algn="l" defTabSz="914400" rtl="0" eaLnBrk="1" latinLnBrk="0" hangingPunct="1">
+              <a:lnSpc>
+                <a:spcPct val="90000"/>
+              </a:lnSpc>
+              <a:spcBef>
+                <a:spcPts val="500"/>
+              </a:spcBef>
+              <a:buFont typeface="Arial" panose="020B0604020202020204" pitchFamily="34" charset="0"/>
+              <a:buChar char="•"/>
+              <a:defRPr sz="1800" kern="1200">
+                <a:solidFill>
+                  <a:schemeClr val="tx1"/>
+                </a:solidFill>
+                <a:latin typeface="+mn-lt"/>
+                <a:ea typeface="+mn-ea"/>
+                <a:cs typeface="+mn-cs"/>
+              </a:defRPr>
+            </a:lvl7pPr>
+            <a:lvl8pPr marL="3429000" indent="-228600" algn="l" defTabSz="914400" rtl="0" eaLnBrk="1" latinLnBrk="0" hangingPunct="1">
+              <a:lnSpc>
+                <a:spcPct val="90000"/>
+              </a:lnSpc>
+              <a:spcBef>
+                <a:spcPts val="500"/>
+              </a:spcBef>
+              <a:buFont typeface="Arial" panose="020B0604020202020204" pitchFamily="34" charset="0"/>
+              <a:buChar char="•"/>
+              <a:defRPr sz="1800" kern="1200">
+                <a:solidFill>
+                  <a:schemeClr val="tx1"/>
+                </a:solidFill>
+                <a:latin typeface="+mn-lt"/>
+                <a:ea typeface="+mn-ea"/>
+                <a:cs typeface="+mn-cs"/>
+              </a:defRPr>
+            </a:lvl8pPr>
+            <a:lvl9pPr marL="3886200" indent="-228600" algn="l" defTabSz="914400" rtl="0" eaLnBrk="1" latinLnBrk="0" hangingPunct="1">
+              <a:lnSpc>
+                <a:spcPct val="90000"/>
+              </a:lnSpc>
+              <a:spcBef>
+                <a:spcPts val="500"/>
+              </a:spcBef>
+              <a:buFont typeface="Arial" panose="020B0604020202020204" pitchFamily="34" charset="0"/>
+              <a:buChar char="•"/>
+              <a:defRPr sz="1800" kern="1200">
+                <a:solidFill>
+                  <a:schemeClr val="tx1"/>
+                </a:solidFill>
+                <a:latin typeface="+mn-lt"/>
+                <a:ea typeface="+mn-ea"/>
+                <a:cs typeface="+mn-cs"/>
+              </a:defRPr>
+            </a:lvl9pPr>
+          </a:lstStyle>
+          <a:p>
+            <a:pPr marL="0" indent="0">
+              <a:buNone/>
+            </a:pPr>
+            <a:r>
+              <a:rPr lang="nl-NL" sz="2000" dirty="0" err="1"/>
+              <a:t>pytest</a:t>
+            </a:r>
+            <a:endParaRPr lang="nl-NL" sz="2000" dirty="0"/>
+          </a:p>
+          <a:p>
+            <a:pPr marL="0" indent="0">
+              <a:buNone/>
+            </a:pPr>
+            <a:endParaRPr lang="nl-NL" sz="1600" dirty="0"/>
+          </a:p>
+          <a:p>
+            <a:pPr>
+              <a:buFontTx/>
+              <a:buChar char="-"/>
+            </a:pPr>
+            <a:r>
+              <a:rPr lang="nl-NL" sz="1600" dirty="0"/>
+              <a:t>Apart package (afhankelijkheid).</a:t>
+            </a:r>
+          </a:p>
+          <a:p>
+            <a:pPr>
+              <a:buFontTx/>
+              <a:buChar char="-"/>
+            </a:pPr>
+            <a:endParaRPr lang="nl-NL" sz="1600" dirty="0"/>
+          </a:p>
+          <a:p>
+            <a:pPr>
+              <a:buFontTx/>
+              <a:buChar char="-"/>
+            </a:pPr>
+            <a:r>
+              <a:rPr lang="nl-NL" sz="1600" dirty="0"/>
+              <a:t>Gebruikt op Workbench en in CI/CD </a:t>
+            </a:r>
+            <a:r>
+              <a:rPr lang="nl-NL" sz="1600" dirty="0" err="1"/>
+              <a:t>pipelines</a:t>
+            </a:r>
+            <a:r>
+              <a:rPr lang="nl-NL" sz="1600" dirty="0"/>
+              <a:t>.</a:t>
+            </a:r>
+          </a:p>
+          <a:p>
+            <a:pPr>
+              <a:buFontTx/>
+              <a:buChar char="-"/>
+            </a:pPr>
+            <a:endParaRPr lang="nl-NL" sz="1600" dirty="0"/>
+          </a:p>
+          <a:p>
+            <a:pPr>
+              <a:buFontTx/>
+              <a:buChar char="-"/>
+            </a:pPr>
+            <a:r>
+              <a:rPr lang="nl-NL" sz="1600" dirty="0"/>
+              <a:t>Kortere code, makkelijker om tests te schrijven.</a:t>
+            </a:r>
+          </a:p>
+          <a:p>
+            <a:pPr>
+              <a:buFontTx/>
+              <a:buChar char="-"/>
+            </a:pPr>
+            <a:endParaRPr lang="nl-NL" sz="1600" dirty="0"/>
+          </a:p>
+          <a:p>
+            <a:pPr>
+              <a:buFontTx/>
+              <a:buChar char="-"/>
+            </a:pPr>
+            <a:r>
+              <a:rPr lang="nl-NL" sz="1600" dirty="0" err="1"/>
+              <a:t>Uitbreidbaar</a:t>
+            </a:r>
+            <a:r>
+              <a:rPr lang="nl-NL" sz="1600" dirty="0"/>
+              <a:t>, veel extensies beschikbaar.</a:t>
+            </a:r>
+          </a:p>
+        </p:txBody>
+      </p:sp>
+      <p:cxnSp>
+        <p:nvCxnSpPr>
+          <p:cNvPr id="6" name="Straight Connector 5">
+            <a:extLst>
+              <a:ext uri="{FF2B5EF4-FFF2-40B4-BE49-F238E27FC236}">
+                <a16:creationId xmlns:a16="http://schemas.microsoft.com/office/drawing/2014/main" id="{3541B282-99A9-5346-C358-F2CCCB0AC1B4}"/>
+              </a:ext>
+            </a:extLst>
+          </p:cNvPr>
+          <p:cNvCxnSpPr/>
+          <p:nvPr/>
+        </p:nvCxnSpPr>
+        <p:spPr>
+          <a:xfrm>
+            <a:off x="5752071" y="1825625"/>
+            <a:ext cx="0" cy="4351338"/>
+          </a:xfrm>
+          <a:prstGeom prst="line">
+            <a:avLst/>
+          </a:prstGeom>
+        </p:spPr>
+        <p:style>
+          <a:lnRef idx="2">
+            <a:schemeClr val="dk1"/>
+          </a:lnRef>
+          <a:fillRef idx="0">
+            <a:schemeClr val="dk1"/>
+          </a:fillRef>
+          <a:effectRef idx="1">
+            <a:schemeClr val="dk1"/>
+          </a:effectRef>
+          <a:fontRef idx="minor">
+            <a:schemeClr val="tx1"/>
+          </a:fontRef>
+        </p:style>
+      </p:cxnSp>
     </p:spTree>
     <p:extLst>
       <p:ext uri="{BB962C8B-B14F-4D97-AF65-F5344CB8AC3E}">
-        <p14:creationId xmlns:p14="http://schemas.microsoft.com/office/powerpoint/2010/main" val="2005108120"/>
+        <p14:creationId xmlns:p14="http://schemas.microsoft.com/office/powerpoint/2010/main" val="3168375895"/>
       </p:ext>
     </p:extLst>
   </p:cSld>
@@ -5434,18 +6106,18 @@
       </p:grpSpPr>
       <p:sp>
         <p:nvSpPr>
-          <p:cNvPr id="2" name="Title 1">
-            <a:extLst>
-              <a:ext uri="{FF2B5EF4-FFF2-40B4-BE49-F238E27FC236}">
-                <a16:creationId xmlns:a16="http://schemas.microsoft.com/office/drawing/2014/main" id="{F0117A71-C343-4E94-A229-F18D53D8BEF6}"/>
-              </a:ext>
-            </a:extLst>
-          </p:cNvPr>
-          <p:cNvSpPr>
-            <a:spLocks noGrp="1"/>
-          </p:cNvSpPr>
-          <p:nvPr>
-            <p:ph type="title"/>
+          <p:cNvPr id="4" name="Title 3">
+            <a:extLst>
+              <a:ext uri="{FF2B5EF4-FFF2-40B4-BE49-F238E27FC236}">
+                <a16:creationId xmlns:a16="http://schemas.microsoft.com/office/drawing/2014/main" id="{51333423-ACB5-5ADB-CF84-4200CA8C53B4}"/>
+              </a:ext>
+            </a:extLst>
+          </p:cNvPr>
+          <p:cNvSpPr>
+            <a:spLocks noGrp="1"/>
+          </p:cNvSpPr>
+          <p:nvPr>
+            <p:ph type="ctrTitle"/>
           </p:nvPr>
         </p:nvSpPr>
         <p:spPr/>
@@ -5453,427 +6125,18 @@
           <a:bodyPr/>
           <a:lstStyle/>
           <a:p>
-            <a:r>
-              <a:rPr lang="nl-NL" dirty="0"/>
-              <a:t>Samenvatting</a:t>
-            </a:r>
-          </a:p>
-        </p:txBody>
-      </p:sp>
-      <p:sp>
-        <p:nvSpPr>
-          <p:cNvPr id="3" name="Content Placeholder 2">
-            <a:extLst>
-              <a:ext uri="{FF2B5EF4-FFF2-40B4-BE49-F238E27FC236}">
-                <a16:creationId xmlns:a16="http://schemas.microsoft.com/office/drawing/2014/main" id="{BAC51C7A-6D7E-4515-BA34-6BEF13D36B55}"/>
-              </a:ext>
-            </a:extLst>
-          </p:cNvPr>
-          <p:cNvSpPr>
-            <a:spLocks noGrp="1"/>
-          </p:cNvSpPr>
-          <p:nvPr>
-            <p:ph idx="1"/>
-          </p:nvPr>
-        </p:nvSpPr>
-        <p:spPr>
-          <a:xfrm>
-            <a:off x="838200" y="1825625"/>
-            <a:ext cx="6620933" cy="4351338"/>
-          </a:xfrm>
-        </p:spPr>
-        <p:txBody>
-          <a:bodyPr>
-            <a:normAutofit/>
-          </a:bodyPr>
-          <a:lstStyle/>
-          <a:p>
-            <a:pPr marL="0" indent="0">
-              <a:buNone/>
-            </a:pPr>
-            <a:r>
-              <a:rPr lang="nl-NL" sz="2000" dirty="0"/>
-              <a:t>Standaard </a:t>
-            </a:r>
-            <a:r>
-              <a:rPr lang="nl-NL" sz="2000" dirty="0" err="1"/>
-              <a:t>framework</a:t>
-            </a:r>
-            <a:r>
-              <a:rPr lang="nl-NL" sz="2000" dirty="0"/>
-              <a:t> voor unit tests is </a:t>
-            </a:r>
-            <a:r>
-              <a:rPr lang="nl-NL" sz="2000" dirty="0" err="1">
-                <a:latin typeface="Courier New" panose="02070309020205020404" pitchFamily="49" charset="0"/>
-                <a:cs typeface="Courier New" panose="02070309020205020404" pitchFamily="49" charset="0"/>
-              </a:rPr>
-              <a:t>pytest</a:t>
-            </a:r>
-            <a:r>
-              <a:rPr lang="nl-NL" sz="2000" dirty="0"/>
-              <a:t>.</a:t>
-            </a:r>
-          </a:p>
-          <a:p>
-            <a:pPr marL="0" indent="0">
-              <a:buNone/>
-            </a:pPr>
-            <a:endParaRPr lang="nl-NL" sz="2000" dirty="0"/>
-          </a:p>
-          <a:p>
-            <a:pPr marL="0" indent="0">
-              <a:buNone/>
-            </a:pPr>
-            <a:r>
-              <a:rPr lang="nl-NL" sz="2000" dirty="0"/>
-              <a:t>Unit tests zitten in een bestand met als naam:</a:t>
-            </a:r>
-          </a:p>
-          <a:p>
-            <a:pPr marL="0" indent="0">
-              <a:buNone/>
-            </a:pPr>
-            <a:r>
-              <a:rPr lang="nl-NL" sz="2000" dirty="0">
-                <a:latin typeface="Courier New" panose="02070309020205020404" pitchFamily="49" charset="0"/>
-                <a:cs typeface="Courier New" panose="02070309020205020404" pitchFamily="49" charset="0"/>
-              </a:rPr>
-              <a:t>test_&lt;module naam&gt;.</a:t>
-            </a:r>
-            <a:r>
-              <a:rPr lang="nl-NL" sz="2000" dirty="0" err="1">
-                <a:latin typeface="Courier New" panose="02070309020205020404" pitchFamily="49" charset="0"/>
-                <a:cs typeface="Courier New" panose="02070309020205020404" pitchFamily="49" charset="0"/>
-              </a:rPr>
-              <a:t>py</a:t>
-            </a:r>
-            <a:endParaRPr lang="nl-NL" sz="2000" dirty="0"/>
-          </a:p>
-          <a:p>
-            <a:pPr marL="0" indent="0">
-              <a:buNone/>
-            </a:pPr>
-            <a:endParaRPr lang="nl-NL" sz="2000" dirty="0"/>
-          </a:p>
-          <a:p>
-            <a:pPr marL="0" indent="0">
-              <a:buNone/>
-            </a:pPr>
-            <a:r>
-              <a:rPr lang="nl-NL" sz="2000" dirty="0"/>
-              <a:t>Tests zijn functies met als naam: </a:t>
-            </a:r>
-            <a:r>
-              <a:rPr lang="nl-NL" sz="2000" dirty="0">
-                <a:latin typeface="Courier New" panose="02070309020205020404" pitchFamily="49" charset="0"/>
-                <a:cs typeface="Courier New" panose="02070309020205020404" pitchFamily="49" charset="0"/>
-              </a:rPr>
-              <a:t>test_&lt;functie&gt;_&lt;omschrijving scenario&gt;.</a:t>
-            </a:r>
-            <a:endParaRPr lang="nl-NL" sz="2000" dirty="0"/>
-          </a:p>
-          <a:p>
-            <a:pPr marL="0" indent="0">
-              <a:buNone/>
-            </a:pPr>
-            <a:endParaRPr lang="nl-NL" sz="2000" dirty="0"/>
-          </a:p>
-          <a:p>
-            <a:pPr marL="0" indent="0">
-              <a:buNone/>
-            </a:pPr>
-            <a:r>
-              <a:rPr lang="nl-NL" sz="2000" dirty="0"/>
-              <a:t>Naam en </a:t>
-            </a:r>
-            <a:r>
-              <a:rPr lang="nl-NL" sz="2000" dirty="0" err="1"/>
-              <a:t>docstring</a:t>
-            </a:r>
-            <a:r>
-              <a:rPr lang="nl-NL" sz="2000" dirty="0"/>
-              <a:t> maken het doel van de test glashelder.</a:t>
-            </a:r>
-          </a:p>
-          <a:p>
-            <a:pPr marL="0" indent="0">
-              <a:buNone/>
-            </a:pPr>
-            <a:endParaRPr lang="nl-NL" sz="2000" dirty="0"/>
-          </a:p>
-          <a:p>
-            <a:pPr marL="0" indent="0">
-              <a:buNone/>
-            </a:pPr>
-            <a:r>
-              <a:rPr lang="nl-NL" sz="2000" dirty="0" err="1"/>
-              <a:t>Één</a:t>
-            </a:r>
-            <a:r>
-              <a:rPr lang="nl-NL" sz="2000" dirty="0"/>
-              <a:t> functionaliteit per test; oftewel 1 </a:t>
-            </a:r>
-            <a:r>
-              <a:rPr lang="nl-NL" sz="2000" dirty="0" err="1">
-                <a:latin typeface="Courier New" panose="02070309020205020404" pitchFamily="49" charset="0"/>
-                <a:cs typeface="Courier New" panose="02070309020205020404" pitchFamily="49" charset="0"/>
-              </a:rPr>
-              <a:t>assert</a:t>
-            </a:r>
-            <a:r>
-              <a:rPr lang="nl-NL" sz="2000" dirty="0"/>
-              <a:t> statement.</a:t>
-            </a:r>
-          </a:p>
-          <a:p>
-            <a:pPr marL="0" indent="0">
-              <a:buNone/>
-            </a:pPr>
-            <a:endParaRPr lang="nl-NL" sz="2000" dirty="0"/>
-          </a:p>
-        </p:txBody>
-      </p:sp>
-      <p:sp>
-        <p:nvSpPr>
-          <p:cNvPr id="5" name="Rectangle 4">
-            <a:extLst>
-              <a:ext uri="{FF2B5EF4-FFF2-40B4-BE49-F238E27FC236}">
-                <a16:creationId xmlns:a16="http://schemas.microsoft.com/office/drawing/2014/main" id="{BF3C5D9D-7D1F-79AF-659B-A7B6754AA413}"/>
-              </a:ext>
-            </a:extLst>
-          </p:cNvPr>
-          <p:cNvSpPr/>
-          <p:nvPr/>
-        </p:nvSpPr>
-        <p:spPr>
-          <a:xfrm>
-            <a:off x="7924800" y="1690688"/>
-            <a:ext cx="3962400" cy="4486275"/>
-          </a:xfrm>
-          <a:prstGeom prst="rect">
-            <a:avLst/>
-          </a:prstGeom>
-        </p:spPr>
-        <p:style>
-          <a:lnRef idx="1">
-            <a:schemeClr val="accent4"/>
-          </a:lnRef>
-          <a:fillRef idx="2">
-            <a:schemeClr val="accent4"/>
-          </a:fillRef>
-          <a:effectRef idx="1">
-            <a:schemeClr val="accent4"/>
-          </a:effectRef>
-          <a:fontRef idx="minor">
-            <a:schemeClr val="dk1"/>
-          </a:fontRef>
-        </p:style>
-        <p:txBody>
-          <a:bodyPr rtlCol="0" anchor="t"/>
-          <a:lstStyle/>
-          <a:p>
-            <a:r>
-              <a:rPr lang="en-US" sz="1200" dirty="0">
-                <a:latin typeface="Courier New" panose="02070309020205020404" pitchFamily="49" charset="0"/>
-                <a:cs typeface="Courier New" panose="02070309020205020404" pitchFamily="49" charset="0"/>
-              </a:rPr>
-              <a:t>"""Module with unit tests for helpers."""</a:t>
-            </a:r>
-          </a:p>
-          <a:p>
-            <a:endParaRPr lang="en-US" sz="1200" dirty="0">
-              <a:latin typeface="Courier New" panose="02070309020205020404" pitchFamily="49" charset="0"/>
-              <a:cs typeface="Courier New" panose="02070309020205020404" pitchFamily="49" charset="0"/>
-            </a:endParaRPr>
-          </a:p>
-          <a:p>
-            <a:endParaRPr lang="en-US" sz="1200" dirty="0">
-              <a:latin typeface="Courier New" panose="02070309020205020404" pitchFamily="49" charset="0"/>
-              <a:cs typeface="Courier New" panose="02070309020205020404" pitchFamily="49" charset="0"/>
-            </a:endParaRPr>
-          </a:p>
-          <a:p>
-            <a:r>
-              <a:rPr lang="en-US" sz="1200" b="1" dirty="0">
-                <a:latin typeface="Courier New" panose="02070309020205020404" pitchFamily="49" charset="0"/>
-                <a:cs typeface="Courier New" panose="02070309020205020404" pitchFamily="49" charset="0"/>
-              </a:rPr>
-              <a:t>def </a:t>
-            </a:r>
-            <a:r>
-              <a:rPr lang="en-US" sz="1200" b="1" dirty="0" err="1">
-                <a:latin typeface="Courier New" panose="02070309020205020404" pitchFamily="49" charset="0"/>
-                <a:cs typeface="Courier New" panose="02070309020205020404" pitchFamily="49" charset="0"/>
-              </a:rPr>
-              <a:t>test_mean_positive_numbers</a:t>
-            </a:r>
-            <a:r>
-              <a:rPr lang="en-US" sz="1200" b="1" dirty="0">
-                <a:latin typeface="Courier New" panose="02070309020205020404" pitchFamily="49" charset="0"/>
-                <a:cs typeface="Courier New" panose="02070309020205020404" pitchFamily="49" charset="0"/>
-              </a:rPr>
-              <a:t>():</a:t>
-            </a:r>
-          </a:p>
-          <a:p>
-            <a:r>
-              <a:rPr lang="en-US" sz="1200" dirty="0">
-                <a:latin typeface="Courier New" panose="02070309020205020404" pitchFamily="49" charset="0"/>
-                <a:cs typeface="Courier New" panose="02070309020205020404" pitchFamily="49" charset="0"/>
-              </a:rPr>
-              <a:t>  """Test mean for positive numbers."""</a:t>
-            </a:r>
-          </a:p>
-          <a:p>
-            <a:r>
-              <a:rPr lang="en-US" sz="1200" dirty="0">
-                <a:latin typeface="Courier New" panose="02070309020205020404" pitchFamily="49" charset="0"/>
-                <a:cs typeface="Courier New" panose="02070309020205020404" pitchFamily="49" charset="0"/>
-              </a:rPr>
-              <a:t> </a:t>
-            </a:r>
-          </a:p>
-          <a:p>
-            <a:r>
-              <a:rPr lang="en-US" sz="1200" dirty="0">
-                <a:latin typeface="Courier New" panose="02070309020205020404" pitchFamily="49" charset="0"/>
-                <a:cs typeface="Courier New" panose="02070309020205020404" pitchFamily="49" charset="0"/>
-              </a:rPr>
-              <a:t>  assert mean([1, 2, 3]) == 2.0</a:t>
-            </a:r>
-          </a:p>
-          <a:p>
-            <a:endParaRPr lang="en-US" sz="1200" dirty="0">
-              <a:latin typeface="Courier New" panose="02070309020205020404" pitchFamily="49" charset="0"/>
-              <a:cs typeface="Courier New" panose="02070309020205020404" pitchFamily="49" charset="0"/>
-            </a:endParaRPr>
-          </a:p>
-          <a:p>
-            <a:endParaRPr lang="en-US" sz="1200" dirty="0">
-              <a:latin typeface="Courier New" panose="02070309020205020404" pitchFamily="49" charset="0"/>
-              <a:cs typeface="Courier New" panose="02070309020205020404" pitchFamily="49" charset="0"/>
-            </a:endParaRPr>
-          </a:p>
-          <a:p>
-            <a:r>
-              <a:rPr lang="en-US" sz="1200" b="1" dirty="0">
-                <a:latin typeface="Courier New" panose="02070309020205020404" pitchFamily="49" charset="0"/>
-                <a:cs typeface="Courier New" panose="02070309020205020404" pitchFamily="49" charset="0"/>
-              </a:rPr>
-              <a:t>def </a:t>
-            </a:r>
-            <a:r>
-              <a:rPr lang="en-US" sz="1200" b="1" dirty="0" err="1">
-                <a:latin typeface="Courier New" panose="02070309020205020404" pitchFamily="49" charset="0"/>
-                <a:cs typeface="Courier New" panose="02070309020205020404" pitchFamily="49" charset="0"/>
-              </a:rPr>
-              <a:t>test_mean_negative_numbers</a:t>
-            </a:r>
-            <a:r>
-              <a:rPr lang="en-US" sz="1200" b="1" dirty="0">
-                <a:latin typeface="Courier New" panose="02070309020205020404" pitchFamily="49" charset="0"/>
-                <a:cs typeface="Courier New" panose="02070309020205020404" pitchFamily="49" charset="0"/>
-              </a:rPr>
-              <a:t>():</a:t>
-            </a:r>
-          </a:p>
-          <a:p>
-            <a:r>
-              <a:rPr lang="en-US" sz="1200" dirty="0">
-                <a:latin typeface="Courier New" panose="02070309020205020404" pitchFamily="49" charset="0"/>
-                <a:cs typeface="Courier New" panose="02070309020205020404" pitchFamily="49" charset="0"/>
-              </a:rPr>
-              <a:t>  """Test mean for negative numbers."""</a:t>
-            </a:r>
-          </a:p>
-          <a:p>
-            <a:r>
-              <a:rPr lang="en-US" sz="1200" dirty="0">
-                <a:latin typeface="Courier New" panose="02070309020205020404" pitchFamily="49" charset="0"/>
-                <a:cs typeface="Courier New" panose="02070309020205020404" pitchFamily="49" charset="0"/>
-              </a:rPr>
-              <a:t>    </a:t>
-            </a:r>
-          </a:p>
-          <a:p>
-            <a:r>
-              <a:rPr lang="en-US" sz="1200" dirty="0">
-                <a:latin typeface="Courier New" panose="02070309020205020404" pitchFamily="49" charset="0"/>
-                <a:cs typeface="Courier New" panose="02070309020205020404" pitchFamily="49" charset="0"/>
-              </a:rPr>
-              <a:t>  assert mean([-1, -2, -3]) == -2.0</a:t>
-            </a:r>
-          </a:p>
-          <a:p>
-            <a:endParaRPr lang="en-US" sz="1200" dirty="0">
-              <a:latin typeface="Courier New" panose="02070309020205020404" pitchFamily="49" charset="0"/>
-              <a:cs typeface="Courier New" panose="02070309020205020404" pitchFamily="49" charset="0"/>
-            </a:endParaRPr>
-          </a:p>
-          <a:p>
-            <a:endParaRPr lang="en-US" sz="1200" dirty="0">
-              <a:latin typeface="Courier New" panose="02070309020205020404" pitchFamily="49" charset="0"/>
-              <a:cs typeface="Courier New" panose="02070309020205020404" pitchFamily="49" charset="0"/>
-            </a:endParaRPr>
-          </a:p>
-          <a:p>
-            <a:r>
-              <a:rPr lang="en-US" sz="1200" dirty="0">
-                <a:latin typeface="Courier New" panose="02070309020205020404" pitchFamily="49" charset="0"/>
-                <a:cs typeface="Courier New" panose="02070309020205020404" pitchFamily="49" charset="0"/>
-              </a:rPr>
-              <a:t>...</a:t>
-            </a:r>
-          </a:p>
-        </p:txBody>
-      </p:sp>
-      <p:sp>
-        <p:nvSpPr>
-          <p:cNvPr id="6" name="TextBox 5">
-            <a:extLst>
-              <a:ext uri="{FF2B5EF4-FFF2-40B4-BE49-F238E27FC236}">
-                <a16:creationId xmlns:a16="http://schemas.microsoft.com/office/drawing/2014/main" id="{D088D7CA-1C9E-24B6-C606-7DAC56592A78}"/>
-              </a:ext>
-            </a:extLst>
-          </p:cNvPr>
-          <p:cNvSpPr txBox="1"/>
-          <p:nvPr/>
-        </p:nvSpPr>
-        <p:spPr>
-          <a:xfrm>
-            <a:off x="7924800" y="1321356"/>
-            <a:ext cx="2252540" cy="369332"/>
-          </a:xfrm>
-          <a:prstGeom prst="rect">
-            <a:avLst/>
-          </a:prstGeom>
-          <a:noFill/>
-        </p:spPr>
-        <p:txBody>
-          <a:bodyPr wrap="none" rtlCol="0">
-            <a:spAutoFit/>
-          </a:bodyPr>
-          <a:lstStyle/>
-          <a:p>
-            <a:r>
-              <a:rPr lang="en-US" dirty="0">
-                <a:latin typeface="Courier New" panose="02070309020205020404" pitchFamily="49" charset="0"/>
-                <a:cs typeface="Courier New" panose="02070309020205020404" pitchFamily="49" charset="0"/>
-              </a:rPr>
-              <a:t>test_helpers.py</a:t>
-            </a:r>
-            <a:endParaRPr lang="en-NL" dirty="0">
-              <a:latin typeface="Courier New" panose="02070309020205020404" pitchFamily="49" charset="0"/>
-              <a:cs typeface="Courier New" panose="02070309020205020404" pitchFamily="49" charset="0"/>
-            </a:endParaRPr>
+            <a:pPr algn="ctr"/>
+            <a:r>
+              <a:rPr lang="nl-NL"/>
+              <a:t>Demo – Basale tests</a:t>
+            </a:r>
           </a:p>
         </p:txBody>
       </p:sp>
     </p:spTree>
     <p:extLst>
       <p:ext uri="{BB962C8B-B14F-4D97-AF65-F5344CB8AC3E}">
-        <p14:creationId xmlns:p14="http://schemas.microsoft.com/office/powerpoint/2010/main" val="1005970574"/>
+        <p14:creationId xmlns:p14="http://schemas.microsoft.com/office/powerpoint/2010/main" val="2005108120"/>
       </p:ext>
     </p:extLst>
   </p:cSld>
@@ -5923,13 +6186,8 @@
           <a:p>
             <a:r>
               <a:rPr lang="nl-NL" dirty="0"/>
-              <a:t>Hergebruik: </a:t>
-            </a:r>
-            <a:r>
-              <a:rPr lang="nl-NL" dirty="0" err="1"/>
-              <a:t>Parametriseren</a:t>
-            </a:r>
-            <a:endParaRPr lang="nl-NL" dirty="0"/>
+              <a:t>Samenvatting</a:t>
+            </a:r>
           </a:p>
         </p:txBody>
       </p:sp>
@@ -5949,7 +6207,12 @@
             <p:ph idx="1"/>
           </p:nvPr>
         </p:nvSpPr>
-        <p:spPr/>
+        <p:spPr>
+          <a:xfrm>
+            <a:off x="838200" y="1825625"/>
+            <a:ext cx="6620933" cy="4351338"/>
+          </a:xfrm>
+        </p:spPr>
         <p:txBody>
           <a:bodyPr>
             <a:normAutofit/>
@@ -5960,51 +6223,348 @@
               <a:buNone/>
             </a:pPr>
             <a:r>
-              <a:rPr lang="nl-NL" sz="2000" b="1" dirty="0" err="1"/>
-              <a:t>Parametriseren</a:t>
-            </a:r>
-            <a:r>
-              <a:rPr lang="nl-NL" sz="2000" b="1" dirty="0"/>
-              <a:t>:</a:t>
+              <a:rPr lang="nl-NL" sz="2000" dirty="0"/>
+              <a:t>Unit tests zitten in een bestand met als naam:</a:t>
+            </a:r>
+          </a:p>
+          <a:p>
+            <a:pPr marL="0" indent="0">
+              <a:buNone/>
+            </a:pPr>
+            <a:r>
+              <a:rPr lang="nl-NL" sz="2000" dirty="0">
+                <a:latin typeface="Courier New" panose="02070309020205020404" pitchFamily="49" charset="0"/>
+                <a:cs typeface="Courier New" panose="02070309020205020404" pitchFamily="49" charset="0"/>
+              </a:rPr>
+              <a:t>test_&lt;module naam&gt;.</a:t>
+            </a:r>
+            <a:r>
+              <a:rPr lang="nl-NL" sz="2000" dirty="0" err="1">
+                <a:latin typeface="Courier New" panose="02070309020205020404" pitchFamily="49" charset="0"/>
+                <a:cs typeface="Courier New" panose="02070309020205020404" pitchFamily="49" charset="0"/>
+              </a:rPr>
+              <a:t>py</a:t>
             </a:r>
             <a:endParaRPr lang="nl-NL" sz="2000" dirty="0"/>
           </a:p>
           <a:p>
-            <a:pPr>
-              <a:buFontTx/>
-              <a:buChar char="-"/>
+            <a:pPr marL="0" indent="0">
+              <a:buNone/>
             </a:pPr>
+            <a:endParaRPr lang="nl-NL" sz="2000" dirty="0"/>
+          </a:p>
+          <a:p>
+            <a:pPr marL="0" indent="0">
+              <a:buNone/>
+            </a:pPr>
             <a:r>
               <a:rPr lang="nl-NL" sz="2000" dirty="0"/>
-              <a:t>Hergebruik van een unit test, maar met verschillende parameters</a:t>
-            </a:r>
-          </a:p>
-          <a:p>
-            <a:pPr>
-              <a:buFontTx/>
-              <a:buChar char="-"/>
+              <a:t>Tests zijn functies met als naam: </a:t>
+            </a:r>
+            <a:r>
+              <a:rPr lang="nl-NL" sz="2000" dirty="0">
+                <a:latin typeface="Courier New" panose="02070309020205020404" pitchFamily="49" charset="0"/>
+                <a:cs typeface="Courier New" panose="02070309020205020404" pitchFamily="49" charset="0"/>
+              </a:rPr>
+              <a:t>test_&lt;functie&gt;_&lt;omschrijving scenario&gt;.</a:t>
+            </a:r>
+            <a:endParaRPr lang="nl-NL" sz="2000" dirty="0"/>
+          </a:p>
+          <a:p>
+            <a:pPr marL="0" indent="0">
+              <a:buNone/>
             </a:pPr>
+            <a:endParaRPr lang="nl-NL" sz="2000" dirty="0"/>
+          </a:p>
+          <a:p>
+            <a:pPr marL="0" indent="0">
+              <a:buNone/>
+            </a:pPr>
             <a:r>
               <a:rPr lang="nl-NL" sz="2000" dirty="0"/>
-              <a:t>Gemakkelijk voor het testen van veel combinaties.</a:t>
-            </a:r>
-          </a:p>
-          <a:p>
-            <a:pPr>
-              <a:buFontTx/>
-              <a:buChar char="-"/>
+              <a:t>Naam en </a:t>
+            </a:r>
+            <a:r>
+              <a:rPr lang="nl-NL" sz="2000" dirty="0" err="1"/>
+              <a:t>docstring</a:t>
+            </a:r>
+            <a:r>
+              <a:rPr lang="nl-NL" sz="2000" dirty="0"/>
+              <a:t> verduidelijken het doel van de test.</a:t>
+            </a:r>
+          </a:p>
+          <a:p>
+            <a:pPr marL="0" indent="0">
+              <a:buNone/>
             </a:pPr>
+            <a:endParaRPr lang="nl-NL" sz="2000" dirty="0"/>
+          </a:p>
+          <a:p>
+            <a:pPr marL="0" indent="0">
+              <a:buNone/>
+            </a:pPr>
+            <a:r>
+              <a:rPr lang="nl-NL" sz="2000" dirty="0" err="1"/>
+              <a:t>Één</a:t>
+            </a:r>
             <a:r>
               <a:rPr lang="nl-NL" sz="2000" dirty="0"/>
-              <a:t>Optie: Beschrijvend ID voor de set parameters.</a:t>
-            </a:r>
+              <a:t> functionaliteit per test; oftewel 1 </a:t>
+            </a:r>
+            <a:r>
+              <a:rPr lang="nl-NL" sz="2000" dirty="0" err="1">
+                <a:latin typeface="Courier New" panose="02070309020205020404" pitchFamily="49" charset="0"/>
+                <a:cs typeface="Courier New" panose="02070309020205020404" pitchFamily="49" charset="0"/>
+              </a:rPr>
+              <a:t>assert</a:t>
+            </a:r>
+            <a:r>
+              <a:rPr lang="nl-NL" sz="2000" dirty="0"/>
+              <a:t> statement.</a:t>
+            </a:r>
+          </a:p>
+        </p:txBody>
+      </p:sp>
+      <p:sp>
+        <p:nvSpPr>
+          <p:cNvPr id="5" name="Rectangle 4">
+            <a:extLst>
+              <a:ext uri="{FF2B5EF4-FFF2-40B4-BE49-F238E27FC236}">
+                <a16:creationId xmlns:a16="http://schemas.microsoft.com/office/drawing/2014/main" id="{BF3C5D9D-7D1F-79AF-659B-A7B6754AA413}"/>
+              </a:ext>
+            </a:extLst>
+          </p:cNvPr>
+          <p:cNvSpPr/>
+          <p:nvPr/>
+        </p:nvSpPr>
+        <p:spPr>
+          <a:xfrm>
+            <a:off x="7924800" y="1690688"/>
+            <a:ext cx="3962400" cy="4486275"/>
+          </a:xfrm>
+          <a:prstGeom prst="rect">
+            <a:avLst/>
+          </a:prstGeom>
+        </p:spPr>
+        <p:style>
+          <a:lnRef idx="1">
+            <a:schemeClr val="accent4"/>
+          </a:lnRef>
+          <a:fillRef idx="2">
+            <a:schemeClr val="accent4"/>
+          </a:fillRef>
+          <a:effectRef idx="1">
+            <a:schemeClr val="accent4"/>
+          </a:effectRef>
+          <a:fontRef idx="minor">
+            <a:schemeClr val="dk1"/>
+          </a:fontRef>
+        </p:style>
+        <p:txBody>
+          <a:bodyPr rtlCol="0" anchor="t"/>
+          <a:lstStyle/>
+          <a:p>
+            <a:r>
+              <a:rPr lang="en-US" sz="1200" dirty="0">
+                <a:latin typeface="Courier New" panose="02070309020205020404" pitchFamily="49" charset="0"/>
+                <a:cs typeface="Courier New" panose="02070309020205020404" pitchFamily="49" charset="0"/>
+              </a:rPr>
+              <a:t>"""Module with unit tests for helpers."""</a:t>
+            </a:r>
+          </a:p>
+          <a:p>
+            <a:endParaRPr lang="en-US" sz="1200" dirty="0">
+              <a:latin typeface="Courier New" panose="02070309020205020404" pitchFamily="49" charset="0"/>
+              <a:cs typeface="Courier New" panose="02070309020205020404" pitchFamily="49" charset="0"/>
+            </a:endParaRPr>
+          </a:p>
+          <a:p>
+            <a:endParaRPr lang="en-US" sz="1200" dirty="0">
+              <a:latin typeface="Courier New" panose="02070309020205020404" pitchFamily="49" charset="0"/>
+              <a:cs typeface="Courier New" panose="02070309020205020404" pitchFamily="49" charset="0"/>
+            </a:endParaRPr>
+          </a:p>
+          <a:p>
+            <a:r>
+              <a:rPr lang="en-US" sz="1200" b="1" dirty="0">
+                <a:latin typeface="Courier New" panose="02070309020205020404" pitchFamily="49" charset="0"/>
+                <a:cs typeface="Courier New" panose="02070309020205020404" pitchFamily="49" charset="0"/>
+              </a:rPr>
+              <a:t>def </a:t>
+            </a:r>
+            <a:r>
+              <a:rPr lang="en-US" sz="1200" b="1" dirty="0" err="1">
+                <a:latin typeface="Courier New" panose="02070309020205020404" pitchFamily="49" charset="0"/>
+                <a:cs typeface="Courier New" panose="02070309020205020404" pitchFamily="49" charset="0"/>
+              </a:rPr>
+              <a:t>test_mean_positive_numbers</a:t>
+            </a:r>
+            <a:r>
+              <a:rPr lang="en-US" sz="1200" b="1" dirty="0">
+                <a:latin typeface="Courier New" panose="02070309020205020404" pitchFamily="49" charset="0"/>
+                <a:cs typeface="Courier New" panose="02070309020205020404" pitchFamily="49" charset="0"/>
+              </a:rPr>
+              <a:t>():</a:t>
+            </a:r>
+          </a:p>
+          <a:p>
+            <a:r>
+              <a:rPr lang="en-US" sz="1200" dirty="0">
+                <a:latin typeface="Courier New" panose="02070309020205020404" pitchFamily="49" charset="0"/>
+                <a:cs typeface="Courier New" panose="02070309020205020404" pitchFamily="49" charset="0"/>
+              </a:rPr>
+              <a:t>  """Test mean for positive numbers."""</a:t>
+            </a:r>
+          </a:p>
+          <a:p>
+            <a:r>
+              <a:rPr lang="en-US" sz="1200" dirty="0">
+                <a:latin typeface="Courier New" panose="02070309020205020404" pitchFamily="49" charset="0"/>
+                <a:cs typeface="Courier New" panose="02070309020205020404" pitchFamily="49" charset="0"/>
+              </a:rPr>
+              <a:t> </a:t>
+            </a:r>
+          </a:p>
+          <a:p>
+            <a:r>
+              <a:rPr lang="en-US" sz="1200" dirty="0">
+                <a:latin typeface="Courier New" panose="02070309020205020404" pitchFamily="49" charset="0"/>
+                <a:cs typeface="Courier New" panose="02070309020205020404" pitchFamily="49" charset="0"/>
+              </a:rPr>
+              <a:t>  assert mean([1, 2, 3]) == 2.0</a:t>
+            </a:r>
+          </a:p>
+          <a:p>
+            <a:endParaRPr lang="en-US" sz="1200" dirty="0">
+              <a:latin typeface="Courier New" panose="02070309020205020404" pitchFamily="49" charset="0"/>
+              <a:cs typeface="Courier New" panose="02070309020205020404" pitchFamily="49" charset="0"/>
+            </a:endParaRPr>
+          </a:p>
+          <a:p>
+            <a:endParaRPr lang="en-US" sz="1200" dirty="0">
+              <a:latin typeface="Courier New" panose="02070309020205020404" pitchFamily="49" charset="0"/>
+              <a:cs typeface="Courier New" panose="02070309020205020404" pitchFamily="49" charset="0"/>
+            </a:endParaRPr>
+          </a:p>
+          <a:p>
+            <a:r>
+              <a:rPr lang="en-US" sz="1200" b="1" dirty="0">
+                <a:latin typeface="Courier New" panose="02070309020205020404" pitchFamily="49" charset="0"/>
+                <a:cs typeface="Courier New" panose="02070309020205020404" pitchFamily="49" charset="0"/>
+              </a:rPr>
+              <a:t>def </a:t>
+            </a:r>
+            <a:r>
+              <a:rPr lang="en-US" sz="1200" b="1" dirty="0" err="1">
+                <a:latin typeface="Courier New" panose="02070309020205020404" pitchFamily="49" charset="0"/>
+                <a:cs typeface="Courier New" panose="02070309020205020404" pitchFamily="49" charset="0"/>
+              </a:rPr>
+              <a:t>test_mean_negative_numbers</a:t>
+            </a:r>
+            <a:r>
+              <a:rPr lang="en-US" sz="1200" b="1" dirty="0">
+                <a:latin typeface="Courier New" panose="02070309020205020404" pitchFamily="49" charset="0"/>
+                <a:cs typeface="Courier New" panose="02070309020205020404" pitchFamily="49" charset="0"/>
+              </a:rPr>
+              <a:t>():</a:t>
+            </a:r>
+          </a:p>
+          <a:p>
+            <a:r>
+              <a:rPr lang="en-US" sz="1200" dirty="0">
+                <a:latin typeface="Courier New" panose="02070309020205020404" pitchFamily="49" charset="0"/>
+                <a:cs typeface="Courier New" panose="02070309020205020404" pitchFamily="49" charset="0"/>
+              </a:rPr>
+              <a:t>  """Test mean for negative numbers."""</a:t>
+            </a:r>
+          </a:p>
+          <a:p>
+            <a:r>
+              <a:rPr lang="en-US" sz="1200" dirty="0">
+                <a:latin typeface="Courier New" panose="02070309020205020404" pitchFamily="49" charset="0"/>
+                <a:cs typeface="Courier New" panose="02070309020205020404" pitchFamily="49" charset="0"/>
+              </a:rPr>
+              <a:t>    </a:t>
+            </a:r>
+          </a:p>
+          <a:p>
+            <a:r>
+              <a:rPr lang="en-US" sz="1200" dirty="0">
+                <a:latin typeface="Courier New" panose="02070309020205020404" pitchFamily="49" charset="0"/>
+                <a:cs typeface="Courier New" panose="02070309020205020404" pitchFamily="49" charset="0"/>
+              </a:rPr>
+              <a:t>  assert mean([-1, -2, -3]) == -2.0</a:t>
+            </a:r>
+          </a:p>
+          <a:p>
+            <a:endParaRPr lang="en-US" sz="1200" dirty="0">
+              <a:latin typeface="Courier New" panose="02070309020205020404" pitchFamily="49" charset="0"/>
+              <a:cs typeface="Courier New" panose="02070309020205020404" pitchFamily="49" charset="0"/>
+            </a:endParaRPr>
+          </a:p>
+          <a:p>
+            <a:endParaRPr lang="en-US" sz="1200" dirty="0">
+              <a:latin typeface="Courier New" panose="02070309020205020404" pitchFamily="49" charset="0"/>
+              <a:cs typeface="Courier New" panose="02070309020205020404" pitchFamily="49" charset="0"/>
+            </a:endParaRPr>
+          </a:p>
+          <a:p>
+            <a:r>
+              <a:rPr lang="en-US" sz="1200" dirty="0">
+                <a:latin typeface="Courier New" panose="02070309020205020404" pitchFamily="49" charset="0"/>
+                <a:cs typeface="Courier New" panose="02070309020205020404" pitchFamily="49" charset="0"/>
+              </a:rPr>
+              <a:t>...</a:t>
+            </a:r>
+          </a:p>
+        </p:txBody>
+      </p:sp>
+      <p:sp>
+        <p:nvSpPr>
+          <p:cNvPr id="6" name="TextBox 5">
+            <a:extLst>
+              <a:ext uri="{FF2B5EF4-FFF2-40B4-BE49-F238E27FC236}">
+                <a16:creationId xmlns:a16="http://schemas.microsoft.com/office/drawing/2014/main" id="{D088D7CA-1C9E-24B6-C606-7DAC56592A78}"/>
+              </a:ext>
+            </a:extLst>
+          </p:cNvPr>
+          <p:cNvSpPr txBox="1"/>
+          <p:nvPr/>
+        </p:nvSpPr>
+        <p:spPr>
+          <a:xfrm>
+            <a:off x="7924800" y="1321356"/>
+            <a:ext cx="2252540" cy="369332"/>
+          </a:xfrm>
+          <a:prstGeom prst="rect">
+            <a:avLst/>
+          </a:prstGeom>
+          <a:noFill/>
+        </p:spPr>
+        <p:txBody>
+          <a:bodyPr wrap="none" rtlCol="0">
+            <a:spAutoFit/>
+          </a:bodyPr>
+          <a:lstStyle/>
+          <a:p>
+            <a:r>
+              <a:rPr lang="en-US" dirty="0">
+                <a:latin typeface="Courier New" panose="02070309020205020404" pitchFamily="49" charset="0"/>
+                <a:cs typeface="Courier New" panose="02070309020205020404" pitchFamily="49" charset="0"/>
+              </a:rPr>
+              <a:t>test_helpers.py</a:t>
+            </a:r>
+            <a:endParaRPr lang="en-NL" dirty="0">
+              <a:latin typeface="Courier New" panose="02070309020205020404" pitchFamily="49" charset="0"/>
+              <a:cs typeface="Courier New" panose="02070309020205020404" pitchFamily="49" charset="0"/>
+            </a:endParaRPr>
           </a:p>
         </p:txBody>
       </p:sp>
     </p:spTree>
     <p:extLst>
       <p:ext uri="{BB962C8B-B14F-4D97-AF65-F5344CB8AC3E}">
-        <p14:creationId xmlns:p14="http://schemas.microsoft.com/office/powerpoint/2010/main" val="2808095815"/>
+        <p14:creationId xmlns:p14="http://schemas.microsoft.com/office/powerpoint/2010/main" val="1005970574"/>
       </p:ext>
     </p:extLst>
   </p:cSld>
@@ -6054,13 +6614,8 @@
           <a:p>
             <a:r>
               <a:rPr lang="nl-NL" dirty="0"/>
-              <a:t>Hergebruik: </a:t>
-            </a:r>
-            <a:r>
-              <a:rPr lang="nl-NL" dirty="0" err="1"/>
-              <a:t>Fixtures</a:t>
-            </a:r>
-            <a:endParaRPr lang="nl-NL" dirty="0"/>
+              <a:t>Hergebruik: Parameters</a:t>
+            </a:r>
           </a:p>
         </p:txBody>
       </p:sp>
@@ -6092,12 +6647,13 @@
             </a:pPr>
             <a:r>
               <a:rPr lang="nl-NL" sz="2000" b="1" dirty="0" err="1"/>
-              <a:t>Fixture</a:t>
+              <a:t>Parametriseren</a:t>
             </a:r>
             <a:r>
               <a:rPr lang="nl-NL" sz="2000" b="1" dirty="0"/>
               <a:t>:</a:t>
             </a:r>
+            <a:endParaRPr lang="nl-NL" sz="2000" dirty="0"/>
           </a:p>
           <a:p>
             <a:pPr>
@@ -6106,7 +6662,7 @@
             </a:pPr>
             <a:r>
               <a:rPr lang="nl-NL" sz="2000" dirty="0"/>
-              <a:t>Code die kan worden meegegeven aan een test.</a:t>
+              <a:t>Hergebruik van een unit test, maar met verschillende parameters</a:t>
             </a:r>
           </a:p>
           <a:p>
@@ -6116,7 +6672,7 @@
             </a:pPr>
             <a:r>
               <a:rPr lang="nl-NL" sz="2000" dirty="0"/>
-              <a:t>Gedefinieerd als functie die een waarde teruggeeft.</a:t>
+              <a:t>Gemakkelijk voor het testen van veel combinaties.</a:t>
             </a:r>
           </a:p>
           <a:p>
@@ -6126,7 +6682,7 @@
             </a:pPr>
             <a:r>
               <a:rPr lang="nl-NL" sz="2000" dirty="0"/>
-              <a:t>Wordt voor elke test opnieuw uitgevoerd!</a:t>
+              <a:t>Optie: Beschrijvend ID voor de set parameters.</a:t>
             </a:r>
           </a:p>
         </p:txBody>
@@ -6134,7 +6690,7 @@
     </p:spTree>
     <p:extLst>
       <p:ext uri="{BB962C8B-B14F-4D97-AF65-F5344CB8AC3E}">
-        <p14:creationId xmlns:p14="http://schemas.microsoft.com/office/powerpoint/2010/main" val="3875907852"/>
+        <p14:creationId xmlns:p14="http://schemas.microsoft.com/office/powerpoint/2010/main" val="2808095815"/>
       </p:ext>
     </p:extLst>
   </p:cSld>
@@ -6185,7 +6741,7 @@
             <a:pPr algn="ctr"/>
             <a:r>
               <a:rPr lang="nl-NL" dirty="0"/>
-              <a:t>Demo – Hergebruik</a:t>
+              <a:t>Demo – Parameters</a:t>
             </a:r>
           </a:p>
         </p:txBody>

--- a/unit_tests/kennissessie_unit_testing.pptx
+++ b/unit_tests/kennissessie_unit_testing.pptx
@@ -274,7 +274,7 @@
           <a:p>
             <a:fld id="{3A72EAAC-A5DF-46E2-8BCD-752A9EF6F604}" type="datetimeFigureOut">
               <a:rPr lang="en-NL" smtClean="0"/>
-              <a:t>16/01/2023</a:t>
+              <a:t>17/01/2023</a:t>
             </a:fld>
             <a:endParaRPr lang="en-NL"/>
           </a:p>
@@ -474,7 +474,7 @@
           <a:p>
             <a:fld id="{3A72EAAC-A5DF-46E2-8BCD-752A9EF6F604}" type="datetimeFigureOut">
               <a:rPr lang="en-NL" smtClean="0"/>
-              <a:t>16/01/2023</a:t>
+              <a:t>17/01/2023</a:t>
             </a:fld>
             <a:endParaRPr lang="en-NL"/>
           </a:p>
@@ -684,7 +684,7 @@
           <a:p>
             <a:fld id="{3A72EAAC-A5DF-46E2-8BCD-752A9EF6F604}" type="datetimeFigureOut">
               <a:rPr lang="en-NL" smtClean="0"/>
-              <a:t>16/01/2023</a:t>
+              <a:t>17/01/2023</a:t>
             </a:fld>
             <a:endParaRPr lang="en-NL"/>
           </a:p>
@@ -884,7 +884,7 @@
           <a:p>
             <a:fld id="{3A72EAAC-A5DF-46E2-8BCD-752A9EF6F604}" type="datetimeFigureOut">
               <a:rPr lang="en-NL" smtClean="0"/>
-              <a:t>16/01/2023</a:t>
+              <a:t>17/01/2023</a:t>
             </a:fld>
             <a:endParaRPr lang="en-NL"/>
           </a:p>
@@ -1160,7 +1160,7 @@
           <a:p>
             <a:fld id="{3A72EAAC-A5DF-46E2-8BCD-752A9EF6F604}" type="datetimeFigureOut">
               <a:rPr lang="en-NL" smtClean="0"/>
-              <a:t>16/01/2023</a:t>
+              <a:t>17/01/2023</a:t>
             </a:fld>
             <a:endParaRPr lang="en-NL"/>
           </a:p>
@@ -1428,7 +1428,7 @@
           <a:p>
             <a:fld id="{3A72EAAC-A5DF-46E2-8BCD-752A9EF6F604}" type="datetimeFigureOut">
               <a:rPr lang="en-NL" smtClean="0"/>
-              <a:t>16/01/2023</a:t>
+              <a:t>17/01/2023</a:t>
             </a:fld>
             <a:endParaRPr lang="en-NL"/>
           </a:p>
@@ -1843,7 +1843,7 @@
           <a:p>
             <a:fld id="{3A72EAAC-A5DF-46E2-8BCD-752A9EF6F604}" type="datetimeFigureOut">
               <a:rPr lang="en-NL" smtClean="0"/>
-              <a:t>16/01/2023</a:t>
+              <a:t>17/01/2023</a:t>
             </a:fld>
             <a:endParaRPr lang="en-NL"/>
           </a:p>
@@ -1985,7 +1985,7 @@
           <a:p>
             <a:fld id="{3A72EAAC-A5DF-46E2-8BCD-752A9EF6F604}" type="datetimeFigureOut">
               <a:rPr lang="en-NL" smtClean="0"/>
-              <a:t>16/01/2023</a:t>
+              <a:t>17/01/2023</a:t>
             </a:fld>
             <a:endParaRPr lang="en-NL"/>
           </a:p>
@@ -2098,7 +2098,7 @@
           <a:p>
             <a:fld id="{3A72EAAC-A5DF-46E2-8BCD-752A9EF6F604}" type="datetimeFigureOut">
               <a:rPr lang="en-NL" smtClean="0"/>
-              <a:t>16/01/2023</a:t>
+              <a:t>17/01/2023</a:t>
             </a:fld>
             <a:endParaRPr lang="en-NL"/>
           </a:p>
@@ -2411,7 +2411,7 @@
           <a:p>
             <a:fld id="{3A72EAAC-A5DF-46E2-8BCD-752A9EF6F604}" type="datetimeFigureOut">
               <a:rPr lang="en-NL" smtClean="0"/>
-              <a:t>16/01/2023</a:t>
+              <a:t>17/01/2023</a:t>
             </a:fld>
             <a:endParaRPr lang="en-NL"/>
           </a:p>
@@ -2700,7 +2700,7 @@
           <a:p>
             <a:fld id="{3A72EAAC-A5DF-46E2-8BCD-752A9EF6F604}" type="datetimeFigureOut">
               <a:rPr lang="en-NL" smtClean="0"/>
-              <a:t>16/01/2023</a:t>
+              <a:t>17/01/2023</a:t>
             </a:fld>
             <a:endParaRPr lang="en-NL"/>
           </a:p>
@@ -2943,7 +2943,7 @@
           <a:p>
             <a:fld id="{3A72EAAC-A5DF-46E2-8BCD-752A9EF6F604}" type="datetimeFigureOut">
               <a:rPr lang="en-NL" smtClean="0"/>
-              <a:t>16/01/2023</a:t>
+              <a:t>17/01/2023</a:t>
             </a:fld>
             <a:endParaRPr lang="en-NL"/>
           </a:p>
@@ -5531,7 +5531,7 @@
             </a:pPr>
             <a:r>
               <a:rPr lang="nl-NL" sz="2000" dirty="0"/>
-              <a:t>Niet getest, is niet vastgelegd.</a:t>
+              <a:t>Testen is vastleggen.</a:t>
             </a:r>
           </a:p>
           <a:p>
@@ -5545,14 +5545,14 @@
             <a:pPr lvl="1"/>
             <a:r>
               <a:rPr lang="nl-NL" sz="1600" dirty="0"/>
-              <a:t>Tests geven concrete voorbeelden van de “bedoeling” van code.</a:t>
+              <a:t>Tests geven concrete voorbeelden van de functionaliteit.</a:t>
             </a:r>
           </a:p>
           <a:p>
             <a:pPr lvl="1"/>
             <a:r>
               <a:rPr lang="nl-NL" sz="1600" dirty="0"/>
-              <a:t>Tests moedigen grondige inspectie code aan; wat is nodig, wat niet?</a:t>
+              <a:t>Tests moedigen grondige inspectie aan: Wat verwacht ik? Wat kan geschrapt worden?</a:t>
             </a:r>
           </a:p>
         </p:txBody>
